--- a/Slides/Lesson 10.7 Testing Mutable Objects.pptx
+++ b/Slides/Lesson 10.7 Testing Mutable Objects.pptx
@@ -228,7 +228,7 @@
           <a:p>
             <a:fld id="{2895C0B8-68D2-43DA-B5E4-F9F86B879448}" type="datetimeFigureOut">
               <a:rPr lang="en-US" smtClean="0"/>
-              <a:t>11/9/2015</a:t>
+              <a:t>11/15/2015</a:t>
             </a:fld>
             <a:endParaRPr lang="en-US"/>
           </a:p>
@@ -1013,7 +1013,7 @@
           <a:p>
             <a:fld id="{2F1F79F5-7BEC-496A-AFC7-876E38F64D71}" type="datetime1">
               <a:rPr lang="en-US" smtClean="0"/>
-              <a:t>11/9/2015</a:t>
+              <a:t>11/15/2015</a:t>
             </a:fld>
             <a:endParaRPr lang="en-US"/>
           </a:p>
@@ -1138,7 +1138,7 @@
           <a:p>
             <a:fld id="{2F7B77F5-1464-4F6B-92A8-64FC8A508293}" type="datetime1">
               <a:rPr lang="en-US" smtClean="0"/>
-              <a:t>11/9/2015</a:t>
+              <a:t>11/15/2015</a:t>
             </a:fld>
             <a:endParaRPr lang="en-US"/>
           </a:p>
@@ -1240,7 +1240,7 @@
           <a:p>
             <a:fld id="{0A05703A-7669-4FEA-9056-25299B4D29D4}" type="datetime1">
               <a:rPr lang="en-US" smtClean="0"/>
-              <a:t>11/9/2015</a:t>
+              <a:t>11/15/2015</a:t>
             </a:fld>
             <a:endParaRPr lang="en-US"/>
           </a:p>
@@ -1517,7 +1517,7 @@
           <a:p>
             <a:fld id="{6E5077B5-BB57-49DB-88CA-226A139E5C01}" type="datetime1">
               <a:rPr lang="en-US" smtClean="0"/>
-              <a:t>11/9/2015</a:t>
+              <a:t>11/15/2015</a:t>
             </a:fld>
             <a:endParaRPr lang="en-US"/>
           </a:p>
@@ -1770,7 +1770,7 @@
           <a:p>
             <a:fld id="{C48D9447-CBD6-49A1-89FD-8512A8CF8999}" type="datetime1">
               <a:rPr lang="en-US" smtClean="0"/>
-              <a:t>11/9/2015</a:t>
+              <a:t>11/15/2015</a:t>
             </a:fld>
             <a:endParaRPr lang="en-US"/>
           </a:p>
@@ -1940,7 +1940,7 @@
           <a:p>
             <a:fld id="{A3639A2A-823D-48B7-9ACE-7FAF42870BA9}" type="datetime1">
               <a:rPr lang="en-US" smtClean="0"/>
-              <a:t>11/9/2015</a:t>
+              <a:t>11/15/2015</a:t>
             </a:fld>
             <a:endParaRPr lang="en-US"/>
           </a:p>
@@ -2120,7 +2120,7 @@
           <a:p>
             <a:fld id="{ED1B6996-82E9-463C-972C-7B56056E426C}" type="datetime1">
               <a:rPr lang="en-US" smtClean="0"/>
-              <a:t>11/9/2015</a:t>
+              <a:t>11/15/2015</a:t>
             </a:fld>
             <a:endParaRPr lang="en-US"/>
           </a:p>
@@ -2303,7 +2303,7 @@
           <a:p>
             <a:fld id="{E22ED4DA-448D-4BB1-B935-CC112220207B}" type="datetime1">
               <a:rPr lang="en-US" smtClean="0"/>
-              <a:t>11/9/2015</a:t>
+              <a:t>11/15/2015</a:t>
             </a:fld>
             <a:endParaRPr lang="en-US"/>
           </a:p>
@@ -2485,7 +2485,7 @@
           <a:p>
             <a:fld id="{E22ED4DA-448D-4BB1-B935-CC112220207B}" type="datetime1">
               <a:rPr lang="en-US" smtClean="0"/>
-              <a:t>11/9/2015</a:t>
+              <a:t>11/15/2015</a:t>
             </a:fld>
             <a:endParaRPr lang="en-US"/>
           </a:p>
@@ -2754,7 +2754,7 @@
           <a:p>
             <a:fld id="{FF5D65A6-AB94-4435-B0B7-3743215FA46C}" type="datetime1">
               <a:rPr lang="en-US" smtClean="0"/>
-              <a:t>11/9/2015</a:t>
+              <a:t>11/15/2015</a:t>
             </a:fld>
             <a:endParaRPr lang="en-US"/>
           </a:p>
@@ -3057,7 +3057,7 @@
           <a:p>
             <a:fld id="{5D1846AD-9252-4647-9435-4C2AC365653A}" type="datetime1">
               <a:rPr lang="en-US" smtClean="0"/>
-              <a:t>11/9/2015</a:t>
+              <a:t>11/15/2015</a:t>
             </a:fld>
             <a:endParaRPr lang="en-US"/>
           </a:p>
@@ -3235,7 +3235,7 @@
           <a:p>
             <a:fld id="{FF5D65A6-AB94-4435-B0B7-3743215FA46C}" type="datetime1">
               <a:rPr lang="en-US" smtClean="0"/>
-              <a:t>11/9/2015</a:t>
+              <a:t>11/15/2015</a:t>
             </a:fld>
             <a:endParaRPr lang="en-US"/>
           </a:p>
@@ -3537,7 +3537,7 @@
           <a:p>
             <a:fld id="{7C193DC4-6EF0-48C9-B29C-616106A645E1}" type="datetime1">
               <a:rPr lang="en-US" smtClean="0"/>
-              <a:t>11/9/2015</a:t>
+              <a:t>11/15/2015</a:t>
             </a:fld>
             <a:endParaRPr lang="en-US"/>
           </a:p>
@@ -3825,7 +3825,7 @@
           <a:p>
             <a:fld id="{5D1846AD-9252-4647-9435-4C2AC365653A}" type="datetime1">
               <a:rPr lang="en-US" smtClean="0"/>
-              <a:t>11/9/2015</a:t>
+              <a:t>11/15/2015</a:t>
             </a:fld>
             <a:endParaRPr lang="en-US"/>
           </a:p>
@@ -4247,7 +4247,7 @@
           <a:p>
             <a:fld id="{CE56DC10-3561-4063-A6AF-C1CC7A41040A}" type="datetime1">
               <a:rPr lang="en-US" smtClean="0"/>
-              <a:t>11/9/2015</a:t>
+              <a:t>11/15/2015</a:t>
             </a:fld>
             <a:endParaRPr lang="en-US"/>
           </a:p>
@@ -4472,7 +4472,7 @@
           <a:p>
             <a:fld id="{02B3F677-983B-48DB-ADFD-63FE6CBC7FB2}" type="datetime1">
               <a:rPr lang="en-US" smtClean="0"/>
-              <a:t>11/9/2015</a:t>
+              <a:t>11/15/2015</a:t>
             </a:fld>
             <a:endParaRPr lang="en-US"/>
           </a:p>
@@ -4919,11 +4919,7 @@
           <a:p>
             <a:r>
               <a:rPr lang="en-US" dirty="0" smtClean="0"/>
-              <a:t>Lesson </a:t>
-            </a:r>
-            <a:r>
-              <a:rPr lang="en-US" dirty="0" smtClean="0"/>
-              <a:t>10.5</a:t>
+              <a:t>Lesson 10.5</a:t>
             </a:r>
             <a:endParaRPr lang="en-US" dirty="0"/>
           </a:p>
@@ -5026,7 +5022,6 @@
                 <a:rPr lang="en-US" sz="1000" dirty="0" smtClean="0"/>
                 <a:t>2012-2015</a:t>
               </a:r>
-              <a:endParaRPr lang="en-US" sz="1000" dirty="0" smtClean="0"/>
             </a:p>
             <a:p>
               <a:r>
@@ -6111,8 +6106,12 @@
               <a:t>See </a:t>
             </a:r>
             <a:r>
+              <a:rPr lang="en-US" sz="5100" smtClean="0"/>
+              <a:t>Guided Practice </a:t>
+            </a:r>
+            <a:r>
               <a:rPr lang="en-US" sz="5100" dirty="0"/>
-              <a:t>GP 10.1 for more examples like this</a:t>
+              <a:t>10.1 for more examples like this</a:t>
             </a:r>
             <a:r>
               <a:rPr lang="en-US" sz="5100" dirty="0" smtClean="0"/>
@@ -6649,11 +6648,7 @@
           <a:p>
             <a:r>
               <a:rPr lang="en-US" dirty="0" smtClean="0"/>
-              <a:t>Feel free to introduce help functions </a:t>
-            </a:r>
-            <a:r>
-              <a:rPr lang="en-US" dirty="0" smtClean="0"/>
-              <a:t>to generalize repeated patterns of code in your tests.</a:t>
+              <a:t>Feel free to introduce help functions to generalize repeated patterns of code in your tests.</a:t>
             </a:r>
             <a:endParaRPr lang="en-US" dirty="0"/>
           </a:p>
@@ -6667,11 +6662,7 @@
             <a:pPr lvl="1"/>
             <a:r>
               <a:rPr lang="en-US" dirty="0" smtClean="0"/>
-              <a:t>In the real world,  these might be as complicated as your real code, and  might need to be tested themselves</a:t>
-            </a:r>
-            <a:r>
-              <a:rPr lang="en-US" dirty="0" smtClean="0"/>
-              <a:t>.</a:t>
+              <a:t>In the real world,  these might be as complicated as your real code, and  might need to be tested themselves.</a:t>
             </a:r>
           </a:p>
           <a:p>
@@ -7279,13 +7270,8 @@
           <a:p>
             <a:r>
               <a:rPr lang="en-US" dirty="0" smtClean="0"/>
-              <a:t>Study the tests in </a:t>
-            </a:r>
-            <a:r>
-              <a:rPr lang="en-US" dirty="0" smtClean="0"/>
-              <a:t>10-5-push-model.rkt and 10-6-push-model-fixed.rkt</a:t>
-            </a:r>
-            <a:endParaRPr lang="en-US" dirty="0" smtClean="0"/>
+              <a:t>Study the tests in 10-5-push-model.rkt and 10-6-push-model-fixed.rkt</a:t>
+            </a:r>
           </a:p>
           <a:p>
             <a:r>
@@ -7379,11 +7365,7 @@
           <a:p>
             <a:r>
               <a:rPr lang="en-US" dirty="0" smtClean="0"/>
-              <a:t>Key Points for Lesson </a:t>
-            </a:r>
-            <a:r>
-              <a:rPr lang="en-US" dirty="0" smtClean="0"/>
-              <a:t>10.5</a:t>
+              <a:t>Key Points for Lesson 10.5</a:t>
             </a:r>
             <a:endParaRPr lang="en-US" dirty="0"/>
           </a:p>
@@ -7420,15 +7402,7 @@
             </a:r>
             <a:r>
               <a:rPr lang="en-US" dirty="0" smtClean="0"/>
-              <a:t> system, create scenarios that create objects, send them sequences of messages, and then </a:t>
-            </a:r>
-            <a:r>
-              <a:rPr lang="en-US" dirty="0" smtClean="0"/>
-              <a:t>check </a:t>
-            </a:r>
-            <a:r>
-              <a:rPr lang="en-US" dirty="0" smtClean="0"/>
-              <a:t>the observable outputs.</a:t>
+              <a:t> system, create scenarios that create objects, send them sequences of messages, and then check the observable outputs.</a:t>
             </a:r>
           </a:p>
           <a:p>
@@ -8028,15 +8002,7 @@
             </a:r>
             <a:r>
               <a:rPr lang="en-US" dirty="0" smtClean="0"/>
-              <a:t>.  Remember that these should only be used for testing.  Using getter methods on non-observables as part of your computation is considered bad OO design and should be avoided (see Lesson </a:t>
-            </a:r>
-            <a:r>
-              <a:rPr lang="en-US" dirty="0" smtClean="0"/>
-              <a:t>10.1</a:t>
-            </a:r>
-            <a:r>
-              <a:rPr lang="en-US" dirty="0" smtClean="0"/>
-              <a:t>)</a:t>
+              <a:t>.  Remember that these should only be used for testing.  Using getter methods on non-observables as part of your computation is considered bad OO design and should be avoided (see Lesson 10.1)</a:t>
             </a:r>
             <a:endParaRPr lang="en-US" dirty="0"/>
           </a:p>
@@ -9180,15 +9146,7 @@
                   <a:schemeClr val="tx1"/>
                 </a:solidFill>
               </a:rPr>
-              <a:t>We observed the behavior of the system to generate a hypothesis about what starting position might fail.  Here's th</a:t>
-            </a:r>
-            <a:r>
-              <a:rPr lang="en-US" dirty="0" smtClean="0">
-                <a:solidFill>
-                  <a:schemeClr val="tx1"/>
-                </a:solidFill>
-              </a:rPr>
-              <a:t>e first position where we got a failure: the last test failed with a -50– the ball bounced at x=160, not x=180 as it should have.</a:t>
+              <a:t>We observed the behavior of the system to generate a hypothesis about what starting position might fail.  Here's the first position where we got a failure: the last test failed with a -50– the ball bounced at x=160, not x=180 as it should have.</a:t>
             </a:r>
             <a:endParaRPr lang="en-US" dirty="0">
               <a:solidFill>

--- a/Slides/Lesson 10.7 Testing Mutable Objects.pptx
+++ b/Slides/Lesson 10.7 Testing Mutable Objects.pptx
@@ -228,7 +228,7 @@
           <a:p>
             <a:fld id="{2895C0B8-68D2-43DA-B5E4-F9F86B879448}" type="datetimeFigureOut">
               <a:rPr lang="en-US" smtClean="0"/>
-              <a:t>11/15/2015</a:t>
+              <a:t>11/4/2016</a:t>
             </a:fld>
             <a:endParaRPr lang="en-US"/>
           </a:p>
@@ -292,38 +292,37 @@
           <a:p>
             <a:pPr lvl="0"/>
             <a:r>
-              <a:rPr lang="en-US" smtClean="0"/>
+              <a:rPr lang="en-US"/>
               <a:t>Click to edit Master text styles</a:t>
             </a:r>
           </a:p>
           <a:p>
             <a:pPr lvl="1"/>
             <a:r>
-              <a:rPr lang="en-US" smtClean="0"/>
+              <a:rPr lang="en-US"/>
               <a:t>Second level</a:t>
             </a:r>
           </a:p>
           <a:p>
             <a:pPr lvl="2"/>
             <a:r>
-              <a:rPr lang="en-US" smtClean="0"/>
+              <a:rPr lang="en-US"/>
               <a:t>Third level</a:t>
             </a:r>
           </a:p>
           <a:p>
             <a:pPr lvl="3"/>
             <a:r>
-              <a:rPr lang="en-US" smtClean="0"/>
+              <a:rPr lang="en-US"/>
               <a:t>Fourth level</a:t>
             </a:r>
           </a:p>
           <a:p>
             <a:pPr lvl="4"/>
             <a:r>
-              <a:rPr lang="en-US" smtClean="0"/>
+              <a:rPr lang="en-US"/>
               <a:t>Fifth level</a:t>
             </a:r>
-            <a:endParaRPr lang="en-US"/>
           </a:p>
         </p:txBody>
       </p:sp>
@@ -708,7 +707,7 @@
           <a:bodyPr/>
           <a:lstStyle/>
           <a:p>
-            <a:endParaRPr lang="en-US" baseline="0" dirty="0" smtClean="0"/>
+            <a:endParaRPr lang="en-US" baseline="0" dirty="0"/>
           </a:p>
         </p:txBody>
       </p:sp>
@@ -870,10 +869,9 @@
           <a:lstStyle/>
           <a:p>
             <a:r>
-              <a:rPr lang="en-US" smtClean="0"/>
+              <a:rPr lang="en-US"/>
               <a:t>Click to edit Master title style</a:t>
             </a:r>
-            <a:endParaRPr lang="en-US"/>
           </a:p>
         </p:txBody>
       </p:sp>
@@ -989,10 +987,9 @@
           </a:lstStyle>
           <a:p>
             <a:r>
-              <a:rPr lang="en-US" smtClean="0"/>
+              <a:rPr lang="en-US"/>
               <a:t>Click to edit Master subtitle style</a:t>
             </a:r>
-            <a:endParaRPr lang="en-US"/>
           </a:p>
         </p:txBody>
       </p:sp>
@@ -1013,7 +1010,7 @@
           <a:p>
             <a:fld id="{2F1F79F5-7BEC-496A-AFC7-876E38F64D71}" type="datetime1">
               <a:rPr lang="en-US" smtClean="0"/>
-              <a:t>11/15/2015</a:t>
+              <a:t>11/4/2016</a:t>
             </a:fld>
             <a:endParaRPr lang="en-US"/>
           </a:p>
@@ -1071,13 +1068,6 @@
   <p:clrMapOvr>
     <a:masterClrMapping/>
   </p:clrMapOvr>
-  <p:timing>
-    <p:tnLst>
-      <p:par>
-        <p:cTn id="1" dur="indefinite" restart="never" nodeType="tmRoot"/>
-      </p:par>
-    </p:tnLst>
-  </p:timing>
 </p:sldLayout>
 </file>
 
@@ -1114,10 +1104,9 @@
           <a:lstStyle/>
           <a:p>
             <a:r>
-              <a:rPr lang="en-US" smtClean="0"/>
+              <a:rPr lang="en-US"/>
               <a:t>Click to edit Master title style</a:t>
             </a:r>
-            <a:endParaRPr lang="en-US"/>
           </a:p>
         </p:txBody>
       </p:sp>
@@ -1138,7 +1127,7 @@
           <a:p>
             <a:fld id="{2F7B77F5-1464-4F6B-92A8-64FC8A508293}" type="datetime1">
               <a:rPr lang="en-US" smtClean="0"/>
-              <a:t>11/15/2015</a:t>
+              <a:t>11/4/2016</a:t>
             </a:fld>
             <a:endParaRPr lang="en-US"/>
           </a:p>
@@ -1196,13 +1185,6 @@
   <p:clrMapOvr>
     <a:masterClrMapping/>
   </p:clrMapOvr>
-  <p:timing>
-    <p:tnLst>
-      <p:par>
-        <p:cTn id="1" dur="indefinite" restart="never" nodeType="tmRoot"/>
-      </p:par>
-    </p:tnLst>
-  </p:timing>
 </p:sldLayout>
 </file>
 
@@ -1240,7 +1222,7 @@
           <a:p>
             <a:fld id="{0A05703A-7669-4FEA-9056-25299B4D29D4}" type="datetime1">
               <a:rPr lang="en-US" smtClean="0"/>
-              <a:t>11/15/2015</a:t>
+              <a:t>11/4/2016</a:t>
             </a:fld>
             <a:endParaRPr lang="en-US"/>
           </a:p>
@@ -1343,10 +1325,9 @@
           </a:lstStyle>
           <a:p>
             <a:r>
-              <a:rPr lang="en-US" smtClean="0"/>
+              <a:rPr lang="en-US"/>
               <a:t>Click to edit Master title style</a:t>
             </a:r>
-            <a:endParaRPr lang="en-US"/>
           </a:p>
         </p:txBody>
       </p:sp>
@@ -1400,38 +1381,37 @@
           <a:p>
             <a:pPr lvl="0"/>
             <a:r>
-              <a:rPr lang="en-US" smtClean="0"/>
+              <a:rPr lang="en-US"/>
               <a:t>Click to edit Master text styles</a:t>
             </a:r>
           </a:p>
           <a:p>
             <a:pPr lvl="1"/>
             <a:r>
-              <a:rPr lang="en-US" smtClean="0"/>
+              <a:rPr lang="en-US"/>
               <a:t>Second level</a:t>
             </a:r>
           </a:p>
           <a:p>
             <a:pPr lvl="2"/>
             <a:r>
-              <a:rPr lang="en-US" smtClean="0"/>
+              <a:rPr lang="en-US"/>
               <a:t>Third level</a:t>
             </a:r>
           </a:p>
           <a:p>
             <a:pPr lvl="3"/>
             <a:r>
-              <a:rPr lang="en-US" smtClean="0"/>
+              <a:rPr lang="en-US"/>
               <a:t>Fourth level</a:t>
             </a:r>
           </a:p>
           <a:p>
             <a:pPr lvl="4"/>
             <a:r>
-              <a:rPr lang="en-US" smtClean="0"/>
+              <a:rPr lang="en-US"/>
               <a:t>Fifth level</a:t>
             </a:r>
-            <a:endParaRPr lang="en-US"/>
           </a:p>
         </p:txBody>
       </p:sp>
@@ -1494,7 +1474,7 @@
           <a:p>
             <a:pPr lvl="0"/>
             <a:r>
-              <a:rPr lang="en-US" smtClean="0"/>
+              <a:rPr lang="en-US"/>
               <a:t>Click to edit Master text styles</a:t>
             </a:r>
           </a:p>
@@ -1517,7 +1497,7 @@
           <a:p>
             <a:fld id="{6E5077B5-BB57-49DB-88CA-226A139E5C01}" type="datetime1">
               <a:rPr lang="en-US" smtClean="0"/>
-              <a:t>11/15/2015</a:t>
+              <a:t>11/4/2016</a:t>
             </a:fld>
             <a:endParaRPr lang="en-US"/>
           </a:p>
@@ -1620,10 +1600,9 @@
           </a:lstStyle>
           <a:p>
             <a:r>
-              <a:rPr lang="en-US" smtClean="0"/>
+              <a:rPr lang="en-US"/>
               <a:t>Click to edit Master title style</a:t>
             </a:r>
-            <a:endParaRPr lang="en-US"/>
           </a:p>
         </p:txBody>
       </p:sp>
@@ -1747,7 +1726,7 @@
           <a:p>
             <a:pPr lvl="0"/>
             <a:r>
-              <a:rPr lang="en-US" smtClean="0"/>
+              <a:rPr lang="en-US"/>
               <a:t>Click to edit Master text styles</a:t>
             </a:r>
           </a:p>
@@ -1770,7 +1749,7 @@
           <a:p>
             <a:fld id="{C48D9447-CBD6-49A1-89FD-8512A8CF8999}" type="datetime1">
               <a:rPr lang="en-US" smtClean="0"/>
-              <a:t>11/15/2015</a:t>
+              <a:t>11/4/2016</a:t>
             </a:fld>
             <a:endParaRPr lang="en-US"/>
           </a:p>
@@ -1864,10 +1843,9 @@
           <a:lstStyle/>
           <a:p>
             <a:r>
-              <a:rPr lang="en-US" smtClean="0"/>
+              <a:rPr lang="en-US"/>
               <a:t>Click to edit Master title style</a:t>
             </a:r>
-            <a:endParaRPr lang="en-US"/>
           </a:p>
         </p:txBody>
       </p:sp>
@@ -1888,38 +1866,37 @@
           <a:p>
             <a:pPr lvl="0"/>
             <a:r>
-              <a:rPr lang="en-US" smtClean="0"/>
+              <a:rPr lang="en-US"/>
               <a:t>Click to edit Master text styles</a:t>
             </a:r>
           </a:p>
           <a:p>
             <a:pPr lvl="1"/>
             <a:r>
-              <a:rPr lang="en-US" smtClean="0"/>
+              <a:rPr lang="en-US"/>
               <a:t>Second level</a:t>
             </a:r>
           </a:p>
           <a:p>
             <a:pPr lvl="2"/>
             <a:r>
-              <a:rPr lang="en-US" smtClean="0"/>
+              <a:rPr lang="en-US"/>
               <a:t>Third level</a:t>
             </a:r>
           </a:p>
           <a:p>
             <a:pPr lvl="3"/>
             <a:r>
-              <a:rPr lang="en-US" smtClean="0"/>
+              <a:rPr lang="en-US"/>
               <a:t>Fourth level</a:t>
             </a:r>
           </a:p>
           <a:p>
             <a:pPr lvl="4"/>
             <a:r>
-              <a:rPr lang="en-US" smtClean="0"/>
+              <a:rPr lang="en-US"/>
               <a:t>Fifth level</a:t>
             </a:r>
-            <a:endParaRPr lang="en-US"/>
           </a:p>
         </p:txBody>
       </p:sp>
@@ -1940,7 +1917,7 @@
           <a:p>
             <a:fld id="{A3639A2A-823D-48B7-9ACE-7FAF42870BA9}" type="datetime1">
               <a:rPr lang="en-US" smtClean="0"/>
-              <a:t>11/15/2015</a:t>
+              <a:t>11/4/2016</a:t>
             </a:fld>
             <a:endParaRPr lang="en-US"/>
           </a:p>
@@ -2039,10 +2016,9 @@
           <a:lstStyle/>
           <a:p>
             <a:r>
-              <a:rPr lang="en-US" smtClean="0"/>
+              <a:rPr lang="en-US"/>
               <a:t>Click to edit Master title style</a:t>
             </a:r>
-            <a:endParaRPr lang="en-US"/>
           </a:p>
         </p:txBody>
       </p:sp>
@@ -2068,38 +2044,37 @@
           <a:p>
             <a:pPr lvl="0"/>
             <a:r>
-              <a:rPr lang="en-US" smtClean="0"/>
+              <a:rPr lang="en-US"/>
               <a:t>Click to edit Master text styles</a:t>
             </a:r>
           </a:p>
           <a:p>
             <a:pPr lvl="1"/>
             <a:r>
-              <a:rPr lang="en-US" smtClean="0"/>
+              <a:rPr lang="en-US"/>
               <a:t>Second level</a:t>
             </a:r>
           </a:p>
           <a:p>
             <a:pPr lvl="2"/>
             <a:r>
-              <a:rPr lang="en-US" smtClean="0"/>
+              <a:rPr lang="en-US"/>
               <a:t>Third level</a:t>
             </a:r>
           </a:p>
           <a:p>
             <a:pPr lvl="3"/>
             <a:r>
-              <a:rPr lang="en-US" smtClean="0"/>
+              <a:rPr lang="en-US"/>
               <a:t>Fourth level</a:t>
             </a:r>
           </a:p>
           <a:p>
             <a:pPr lvl="4"/>
             <a:r>
-              <a:rPr lang="en-US" smtClean="0"/>
+              <a:rPr lang="en-US"/>
               <a:t>Fifth level</a:t>
             </a:r>
-            <a:endParaRPr lang="en-US"/>
           </a:p>
         </p:txBody>
       </p:sp>
@@ -2120,7 +2095,7 @@
           <a:p>
             <a:fld id="{ED1B6996-82E9-463C-972C-7B56056E426C}" type="datetime1">
               <a:rPr lang="en-US" smtClean="0"/>
-              <a:t>11/15/2015</a:t>
+              <a:t>11/4/2016</a:t>
             </a:fld>
             <a:endParaRPr lang="en-US"/>
           </a:p>
@@ -2178,13 +2153,6 @@
   <p:clrMapOvr>
     <a:masterClrMapping/>
   </p:clrMapOvr>
-  <p:timing>
-    <p:tnLst>
-      <p:par>
-        <p:cTn id="1" dur="indefinite" restart="never" nodeType="tmRoot"/>
-      </p:par>
-    </p:tnLst>
-  </p:timing>
 </p:sldLayout>
 </file>
 
@@ -2227,10 +2195,9 @@
           <a:lstStyle/>
           <a:p>
             <a:r>
-              <a:rPr lang="en-US" dirty="0" smtClean="0"/>
+              <a:rPr lang="en-US" dirty="0"/>
               <a:t>Click to edit Master title style</a:t>
             </a:r>
-            <a:endParaRPr lang="en-US" dirty="0"/>
           </a:p>
         </p:txBody>
       </p:sp>
@@ -2251,38 +2218,37 @@
           <a:p>
             <a:pPr lvl="0"/>
             <a:r>
-              <a:rPr lang="en-US" smtClean="0"/>
+              <a:rPr lang="en-US"/>
               <a:t>Click to edit Master text styles</a:t>
             </a:r>
           </a:p>
           <a:p>
             <a:pPr lvl="1"/>
             <a:r>
-              <a:rPr lang="en-US" smtClean="0"/>
+              <a:rPr lang="en-US"/>
               <a:t>Second level</a:t>
             </a:r>
           </a:p>
           <a:p>
             <a:pPr lvl="2"/>
             <a:r>
-              <a:rPr lang="en-US" smtClean="0"/>
+              <a:rPr lang="en-US"/>
               <a:t>Third level</a:t>
             </a:r>
           </a:p>
           <a:p>
             <a:pPr lvl="3"/>
             <a:r>
-              <a:rPr lang="en-US" smtClean="0"/>
+              <a:rPr lang="en-US"/>
               <a:t>Fourth level</a:t>
             </a:r>
           </a:p>
           <a:p>
             <a:pPr lvl="4"/>
             <a:r>
-              <a:rPr lang="en-US" smtClean="0"/>
+              <a:rPr lang="en-US"/>
               <a:t>Fifth level</a:t>
             </a:r>
-            <a:endParaRPr lang="en-US"/>
           </a:p>
         </p:txBody>
       </p:sp>
@@ -2303,7 +2269,7 @@
           <a:p>
             <a:fld id="{E22ED4DA-448D-4BB1-B935-CC112220207B}" type="datetime1">
               <a:rPr lang="en-US" smtClean="0"/>
-              <a:t>11/15/2015</a:t>
+              <a:t>11/4/2016</a:t>
             </a:fld>
             <a:endParaRPr lang="en-US"/>
           </a:p>
@@ -2361,13 +2327,6 @@
   <p:clrMapOvr>
     <a:masterClrMapping/>
   </p:clrMapOvr>
-  <p:timing>
-    <p:tnLst>
-      <p:par>
-        <p:cTn id="1" dur="indefinite" restart="never" nodeType="tmRoot"/>
-      </p:par>
-    </p:tnLst>
-  </p:timing>
 </p:sldLayout>
 </file>
 
@@ -2404,10 +2363,9 @@
           <a:lstStyle/>
           <a:p>
             <a:r>
-              <a:rPr lang="en-US" smtClean="0"/>
+              <a:rPr lang="en-US"/>
               <a:t>Click to edit Master title style</a:t>
             </a:r>
-            <a:endParaRPr lang="en-US"/>
           </a:p>
         </p:txBody>
       </p:sp>
@@ -2433,38 +2391,37 @@
           <a:p>
             <a:pPr lvl="0"/>
             <a:r>
-              <a:rPr lang="en-US" dirty="0" smtClean="0"/>
+              <a:rPr lang="en-US" dirty="0"/>
               <a:t>Click to edit Master text styles</a:t>
             </a:r>
           </a:p>
           <a:p>
             <a:pPr lvl="1"/>
             <a:r>
-              <a:rPr lang="en-US" dirty="0" smtClean="0"/>
+              <a:rPr lang="en-US" dirty="0"/>
               <a:t>Second level</a:t>
             </a:r>
           </a:p>
           <a:p>
             <a:pPr lvl="2"/>
             <a:r>
-              <a:rPr lang="en-US" dirty="0" smtClean="0"/>
+              <a:rPr lang="en-US" dirty="0"/>
               <a:t>Third level</a:t>
             </a:r>
           </a:p>
           <a:p>
             <a:pPr lvl="3"/>
             <a:r>
-              <a:rPr lang="en-US" dirty="0" smtClean="0"/>
+              <a:rPr lang="en-US" dirty="0"/>
               <a:t>Fourth level</a:t>
             </a:r>
           </a:p>
           <a:p>
             <a:pPr lvl="4"/>
             <a:r>
-              <a:rPr lang="en-US" dirty="0" smtClean="0"/>
+              <a:rPr lang="en-US" dirty="0"/>
               <a:t>Fifth level</a:t>
             </a:r>
-            <a:endParaRPr lang="en-US" dirty="0"/>
           </a:p>
         </p:txBody>
       </p:sp>
@@ -2485,7 +2442,7 @@
           <a:p>
             <a:fld id="{E22ED4DA-448D-4BB1-B935-CC112220207B}" type="datetime1">
               <a:rPr lang="en-US" smtClean="0"/>
-              <a:t>11/15/2015</a:t>
+              <a:t>11/4/2016</a:t>
             </a:fld>
             <a:endParaRPr lang="en-US"/>
           </a:p>
@@ -2575,7 +2532,7 @@
           <a:lstStyle/>
           <a:p>
             <a:pPr algn="ctr"/>
-            <a:endParaRPr lang="en-US" dirty="0" smtClean="0">
+            <a:endParaRPr lang="en-US" dirty="0">
               <a:solidFill>
                 <a:schemeClr val="tx1"/>
               </a:solidFill>
@@ -2606,11 +2563,11 @@
           <a:lstStyle/>
           <a:p>
             <a:r>
-              <a:rPr lang="en-US" dirty="0" smtClean="0"/>
+              <a:rPr lang="en-US" dirty="0"/>
               <a:t>Resize video to this</a:t>
             </a:r>
             <a:r>
-              <a:rPr lang="en-US" baseline="0" dirty="0" smtClean="0"/>
+              <a:rPr lang="en-US" baseline="0" dirty="0"/>
               <a:t> box.</a:t>
             </a:r>
             <a:endParaRPr lang="en-US" dirty="0"/>
@@ -2627,13 +2584,6 @@
   <p:clrMapOvr>
     <a:masterClrMapping/>
   </p:clrMapOvr>
-  <p:timing>
-    <p:tnLst>
-      <p:par>
-        <p:cTn id="1" dur="indefinite" restart="never" nodeType="tmRoot"/>
-      </p:par>
-    </p:tnLst>
-  </p:timing>
 </p:sldLayout>
 </file>
 
@@ -2670,10 +2620,9 @@
           <a:lstStyle/>
           <a:p>
             <a:r>
-              <a:rPr lang="en-US" smtClean="0"/>
+              <a:rPr lang="en-US"/>
               <a:t>Click to edit Master title style</a:t>
             </a:r>
-            <a:endParaRPr lang="en-US"/>
           </a:p>
         </p:txBody>
       </p:sp>
@@ -2702,38 +2651,37 @@
           <a:p>
             <a:pPr lvl="0"/>
             <a:r>
-              <a:rPr lang="en-US" dirty="0" smtClean="0"/>
+              <a:rPr lang="en-US" dirty="0"/>
               <a:t>Click to edit Master text styles</a:t>
             </a:r>
           </a:p>
           <a:p>
             <a:pPr lvl="1"/>
             <a:r>
-              <a:rPr lang="en-US" dirty="0" smtClean="0"/>
+              <a:rPr lang="en-US" dirty="0"/>
               <a:t>Second level</a:t>
             </a:r>
           </a:p>
           <a:p>
             <a:pPr lvl="2"/>
             <a:r>
-              <a:rPr lang="en-US" dirty="0" smtClean="0"/>
+              <a:rPr lang="en-US" dirty="0"/>
               <a:t>Third level</a:t>
             </a:r>
           </a:p>
           <a:p>
             <a:pPr lvl="3"/>
             <a:r>
-              <a:rPr lang="en-US" dirty="0" smtClean="0"/>
+              <a:rPr lang="en-US" dirty="0"/>
               <a:t>Fourth level</a:t>
             </a:r>
           </a:p>
           <a:p>
             <a:pPr lvl="4"/>
             <a:r>
-              <a:rPr lang="en-US" dirty="0" smtClean="0"/>
+              <a:rPr lang="en-US" dirty="0"/>
               <a:t>Fifth level</a:t>
             </a:r>
-            <a:endParaRPr lang="en-US" dirty="0"/>
           </a:p>
         </p:txBody>
       </p:sp>
@@ -2754,7 +2702,7 @@
           <a:p>
             <a:fld id="{FF5D65A6-AB94-4435-B0B7-3743215FA46C}" type="datetime1">
               <a:rPr lang="en-US" smtClean="0"/>
-              <a:t>11/15/2015</a:t>
+              <a:t>11/4/2016</a:t>
             </a:fld>
             <a:endParaRPr lang="en-US"/>
           </a:p>
@@ -2812,13 +2760,6 @@
   <p:clrMapOvr>
     <a:masterClrMapping/>
   </p:clrMapOvr>
-  <p:timing>
-    <p:tnLst>
-      <p:par>
-        <p:cTn id="1" dur="indefinite" restart="never" nodeType="tmRoot"/>
-      </p:par>
-    </p:tnLst>
-  </p:timing>
 </p:sldLayout>
 </file>
 
@@ -2855,10 +2796,9 @@
           <a:lstStyle/>
           <a:p>
             <a:r>
-              <a:rPr lang="en-US" smtClean="0"/>
+              <a:rPr lang="en-US"/>
               <a:t>Click to edit Master title style</a:t>
             </a:r>
-            <a:endParaRPr lang="en-US"/>
           </a:p>
         </p:txBody>
       </p:sp>
@@ -2916,38 +2856,37 @@
           <a:p>
             <a:pPr lvl="0"/>
             <a:r>
-              <a:rPr lang="en-US" dirty="0" smtClean="0"/>
+              <a:rPr lang="en-US" dirty="0"/>
               <a:t>Click to edit Master text styles</a:t>
             </a:r>
           </a:p>
           <a:p>
             <a:pPr lvl="1"/>
             <a:r>
-              <a:rPr lang="en-US" dirty="0" smtClean="0"/>
+              <a:rPr lang="en-US" dirty="0"/>
               <a:t>Second level</a:t>
             </a:r>
           </a:p>
           <a:p>
             <a:pPr lvl="2"/>
             <a:r>
-              <a:rPr lang="en-US" dirty="0" smtClean="0"/>
+              <a:rPr lang="en-US" dirty="0"/>
               <a:t>Third level</a:t>
             </a:r>
           </a:p>
           <a:p>
             <a:pPr lvl="3"/>
             <a:r>
-              <a:rPr lang="en-US" dirty="0" smtClean="0"/>
+              <a:rPr lang="en-US" dirty="0"/>
               <a:t>Fourth level</a:t>
             </a:r>
           </a:p>
           <a:p>
             <a:pPr lvl="4"/>
             <a:r>
-              <a:rPr lang="en-US" dirty="0" smtClean="0"/>
+              <a:rPr lang="en-US" dirty="0"/>
               <a:t>Fifth level</a:t>
             </a:r>
-            <a:endParaRPr lang="en-US" dirty="0"/>
           </a:p>
         </p:txBody>
       </p:sp>
@@ -3005,38 +2944,37 @@
           <a:p>
             <a:pPr lvl="0"/>
             <a:r>
-              <a:rPr lang="en-US" dirty="0" smtClean="0"/>
+              <a:rPr lang="en-US" dirty="0"/>
               <a:t>Click to edit Master text styles</a:t>
             </a:r>
           </a:p>
           <a:p>
             <a:pPr lvl="1"/>
             <a:r>
-              <a:rPr lang="en-US" dirty="0" smtClean="0"/>
+              <a:rPr lang="en-US" dirty="0"/>
               <a:t>Second level</a:t>
             </a:r>
           </a:p>
           <a:p>
             <a:pPr lvl="2"/>
             <a:r>
-              <a:rPr lang="en-US" dirty="0" smtClean="0"/>
+              <a:rPr lang="en-US" dirty="0"/>
               <a:t>Third level</a:t>
             </a:r>
           </a:p>
           <a:p>
             <a:pPr lvl="3"/>
             <a:r>
-              <a:rPr lang="en-US" dirty="0" smtClean="0"/>
+              <a:rPr lang="en-US" dirty="0"/>
               <a:t>Fourth level</a:t>
             </a:r>
           </a:p>
           <a:p>
             <a:pPr lvl="4"/>
             <a:r>
-              <a:rPr lang="en-US" dirty="0" smtClean="0"/>
+              <a:rPr lang="en-US" dirty="0"/>
               <a:t>Fifth level</a:t>
             </a:r>
-            <a:endParaRPr lang="en-US" dirty="0"/>
           </a:p>
         </p:txBody>
       </p:sp>
@@ -3057,7 +2995,7 @@
           <a:p>
             <a:fld id="{5D1846AD-9252-4647-9435-4C2AC365653A}" type="datetime1">
               <a:rPr lang="en-US" smtClean="0"/>
-              <a:t>11/15/2015</a:t>
+              <a:t>11/4/2016</a:t>
             </a:fld>
             <a:endParaRPr lang="en-US"/>
           </a:p>
@@ -3151,10 +3089,9 @@
           <a:lstStyle/>
           <a:p>
             <a:r>
-              <a:rPr lang="en-US" smtClean="0"/>
+              <a:rPr lang="en-US"/>
               <a:t>Click to edit Master title style</a:t>
             </a:r>
-            <a:endParaRPr lang="en-US"/>
           </a:p>
         </p:txBody>
       </p:sp>
@@ -3183,38 +3120,37 @@
           <a:p>
             <a:pPr lvl="0"/>
             <a:r>
-              <a:rPr lang="en-US" dirty="0" smtClean="0"/>
+              <a:rPr lang="en-US" dirty="0"/>
               <a:t>Click to edit Master text styles</a:t>
             </a:r>
           </a:p>
           <a:p>
             <a:pPr lvl="1"/>
             <a:r>
-              <a:rPr lang="en-US" dirty="0" smtClean="0"/>
+              <a:rPr lang="en-US" dirty="0"/>
               <a:t>Second level</a:t>
             </a:r>
           </a:p>
           <a:p>
             <a:pPr lvl="2"/>
             <a:r>
-              <a:rPr lang="en-US" dirty="0" smtClean="0"/>
+              <a:rPr lang="en-US" dirty="0"/>
               <a:t>Third level</a:t>
             </a:r>
           </a:p>
           <a:p>
             <a:pPr lvl="3"/>
             <a:r>
-              <a:rPr lang="en-US" dirty="0" smtClean="0"/>
+              <a:rPr lang="en-US" dirty="0"/>
               <a:t>Fourth level</a:t>
             </a:r>
           </a:p>
           <a:p>
             <a:pPr lvl="4"/>
             <a:r>
-              <a:rPr lang="en-US" dirty="0" smtClean="0"/>
+              <a:rPr lang="en-US" dirty="0"/>
               <a:t>Fifth level</a:t>
             </a:r>
-            <a:endParaRPr lang="en-US" dirty="0"/>
           </a:p>
         </p:txBody>
       </p:sp>
@@ -3235,7 +3171,7 @@
           <a:p>
             <a:fld id="{FF5D65A6-AB94-4435-B0B7-3743215FA46C}" type="datetime1">
               <a:rPr lang="en-US" smtClean="0"/>
-              <a:t>11/15/2015</a:t>
+              <a:t>11/4/2016</a:t>
             </a:fld>
             <a:endParaRPr lang="en-US"/>
           </a:p>
@@ -3342,13 +3278,6 @@
   <p:clrMapOvr>
     <a:masterClrMapping/>
   </p:clrMapOvr>
-  <p:timing>
-    <p:tnLst>
-      <p:par>
-        <p:cTn id="1" dur="indefinite" restart="never" nodeType="tmRoot"/>
-      </p:par>
-    </p:tnLst>
-  </p:timing>
 </p:sldLayout>
 </file>
 
@@ -3394,10 +3323,9 @@
           </a:lstStyle>
           <a:p>
             <a:r>
-              <a:rPr lang="en-US" smtClean="0"/>
+              <a:rPr lang="en-US"/>
               <a:t>Click to edit Master title style</a:t>
             </a:r>
-            <a:endParaRPr lang="en-US"/>
           </a:p>
         </p:txBody>
       </p:sp>
@@ -3514,7 +3442,7 @@
           <a:p>
             <a:pPr lvl="0"/>
             <a:r>
-              <a:rPr lang="en-US" smtClean="0"/>
+              <a:rPr lang="en-US"/>
               <a:t>Click to edit Master text styles</a:t>
             </a:r>
           </a:p>
@@ -3537,7 +3465,7 @@
           <a:p>
             <a:fld id="{7C193DC4-6EF0-48C9-B29C-616106A645E1}" type="datetime1">
               <a:rPr lang="en-US" smtClean="0"/>
-              <a:t>11/15/2015</a:t>
+              <a:t>11/4/2016</a:t>
             </a:fld>
             <a:endParaRPr lang="en-US"/>
           </a:p>
@@ -3631,10 +3559,9 @@
           <a:lstStyle/>
           <a:p>
             <a:r>
-              <a:rPr lang="en-US" smtClean="0"/>
+              <a:rPr lang="en-US"/>
               <a:t>Click to edit Master title style</a:t>
             </a:r>
-            <a:endParaRPr lang="en-US"/>
           </a:p>
         </p:txBody>
       </p:sp>
@@ -3688,38 +3615,37 @@
           <a:p>
             <a:pPr lvl="0"/>
             <a:r>
-              <a:rPr lang="en-US" smtClean="0"/>
+              <a:rPr lang="en-US"/>
               <a:t>Click to edit Master text styles</a:t>
             </a:r>
           </a:p>
           <a:p>
             <a:pPr lvl="1"/>
             <a:r>
-              <a:rPr lang="en-US" smtClean="0"/>
+              <a:rPr lang="en-US"/>
               <a:t>Second level</a:t>
             </a:r>
           </a:p>
           <a:p>
             <a:pPr lvl="2"/>
             <a:r>
-              <a:rPr lang="en-US" smtClean="0"/>
+              <a:rPr lang="en-US"/>
               <a:t>Third level</a:t>
             </a:r>
           </a:p>
           <a:p>
             <a:pPr lvl="3"/>
             <a:r>
-              <a:rPr lang="en-US" smtClean="0"/>
+              <a:rPr lang="en-US"/>
               <a:t>Fourth level</a:t>
             </a:r>
           </a:p>
           <a:p>
             <a:pPr lvl="4"/>
             <a:r>
-              <a:rPr lang="en-US" smtClean="0"/>
+              <a:rPr lang="en-US"/>
               <a:t>Fifth level</a:t>
             </a:r>
-            <a:endParaRPr lang="en-US"/>
           </a:p>
         </p:txBody>
       </p:sp>
@@ -3773,38 +3699,37 @@
           <a:p>
             <a:pPr lvl="0"/>
             <a:r>
-              <a:rPr lang="en-US" smtClean="0"/>
+              <a:rPr lang="en-US"/>
               <a:t>Click to edit Master text styles</a:t>
             </a:r>
           </a:p>
           <a:p>
             <a:pPr lvl="1"/>
             <a:r>
-              <a:rPr lang="en-US" smtClean="0"/>
+              <a:rPr lang="en-US"/>
               <a:t>Second level</a:t>
             </a:r>
           </a:p>
           <a:p>
             <a:pPr lvl="2"/>
             <a:r>
-              <a:rPr lang="en-US" smtClean="0"/>
+              <a:rPr lang="en-US"/>
               <a:t>Third level</a:t>
             </a:r>
           </a:p>
           <a:p>
             <a:pPr lvl="3"/>
             <a:r>
-              <a:rPr lang="en-US" smtClean="0"/>
+              <a:rPr lang="en-US"/>
               <a:t>Fourth level</a:t>
             </a:r>
           </a:p>
           <a:p>
             <a:pPr lvl="4"/>
             <a:r>
-              <a:rPr lang="en-US" smtClean="0"/>
+              <a:rPr lang="en-US"/>
               <a:t>Fifth level</a:t>
             </a:r>
-            <a:endParaRPr lang="en-US"/>
           </a:p>
         </p:txBody>
       </p:sp>
@@ -3825,7 +3750,7 @@
           <a:p>
             <a:fld id="{5D1846AD-9252-4647-9435-4C2AC365653A}" type="datetime1">
               <a:rPr lang="en-US" smtClean="0"/>
-              <a:t>11/15/2015</a:t>
+              <a:t>11/4/2016</a:t>
             </a:fld>
             <a:endParaRPr lang="en-US"/>
           </a:p>
@@ -3923,10 +3848,9 @@
           </a:lstStyle>
           <a:p>
             <a:r>
-              <a:rPr lang="en-US" smtClean="0"/>
+              <a:rPr lang="en-US"/>
               <a:t>Click to edit Master title style</a:t>
             </a:r>
-            <a:endParaRPr lang="en-US"/>
           </a:p>
         </p:txBody>
       </p:sp>
@@ -3989,7 +3913,7 @@
           <a:p>
             <a:pPr lvl="0"/>
             <a:r>
-              <a:rPr lang="en-US" smtClean="0"/>
+              <a:rPr lang="en-US"/>
               <a:t>Click to edit Master text styles</a:t>
             </a:r>
           </a:p>
@@ -4045,38 +3969,37 @@
           <a:p>
             <a:pPr lvl="0"/>
             <a:r>
-              <a:rPr lang="en-US" smtClean="0"/>
+              <a:rPr lang="en-US"/>
               <a:t>Click to edit Master text styles</a:t>
             </a:r>
           </a:p>
           <a:p>
             <a:pPr lvl="1"/>
             <a:r>
-              <a:rPr lang="en-US" smtClean="0"/>
+              <a:rPr lang="en-US"/>
               <a:t>Second level</a:t>
             </a:r>
           </a:p>
           <a:p>
             <a:pPr lvl="2"/>
             <a:r>
-              <a:rPr lang="en-US" smtClean="0"/>
+              <a:rPr lang="en-US"/>
               <a:t>Third level</a:t>
             </a:r>
           </a:p>
           <a:p>
             <a:pPr lvl="3"/>
             <a:r>
-              <a:rPr lang="en-US" smtClean="0"/>
+              <a:rPr lang="en-US"/>
               <a:t>Fourth level</a:t>
             </a:r>
           </a:p>
           <a:p>
             <a:pPr lvl="4"/>
             <a:r>
-              <a:rPr lang="en-US" smtClean="0"/>
+              <a:rPr lang="en-US"/>
               <a:t>Fifth level</a:t>
             </a:r>
-            <a:endParaRPr lang="en-US"/>
           </a:p>
         </p:txBody>
       </p:sp>
@@ -4139,7 +4062,7 @@
           <a:p>
             <a:pPr lvl="0"/>
             <a:r>
-              <a:rPr lang="en-US" smtClean="0"/>
+              <a:rPr lang="en-US"/>
               <a:t>Click to edit Master text styles</a:t>
             </a:r>
           </a:p>
@@ -4195,38 +4118,37 @@
           <a:p>
             <a:pPr lvl="0"/>
             <a:r>
-              <a:rPr lang="en-US" smtClean="0"/>
+              <a:rPr lang="en-US"/>
               <a:t>Click to edit Master text styles</a:t>
             </a:r>
           </a:p>
           <a:p>
             <a:pPr lvl="1"/>
             <a:r>
-              <a:rPr lang="en-US" smtClean="0"/>
+              <a:rPr lang="en-US"/>
               <a:t>Second level</a:t>
             </a:r>
           </a:p>
           <a:p>
             <a:pPr lvl="2"/>
             <a:r>
-              <a:rPr lang="en-US" smtClean="0"/>
+              <a:rPr lang="en-US"/>
               <a:t>Third level</a:t>
             </a:r>
           </a:p>
           <a:p>
             <a:pPr lvl="3"/>
             <a:r>
-              <a:rPr lang="en-US" smtClean="0"/>
+              <a:rPr lang="en-US"/>
               <a:t>Fourth level</a:t>
             </a:r>
           </a:p>
           <a:p>
             <a:pPr lvl="4"/>
             <a:r>
-              <a:rPr lang="en-US" smtClean="0"/>
+              <a:rPr lang="en-US"/>
               <a:t>Fifth level</a:t>
             </a:r>
-            <a:endParaRPr lang="en-US"/>
           </a:p>
         </p:txBody>
       </p:sp>
@@ -4247,7 +4169,7 @@
           <a:p>
             <a:fld id="{CE56DC10-3561-4063-A6AF-C1CC7A41040A}" type="datetime1">
               <a:rPr lang="en-US" smtClean="0"/>
-              <a:t>11/15/2015</a:t>
+              <a:t>11/4/2016</a:t>
             </a:fld>
             <a:endParaRPr lang="en-US"/>
           </a:p>
@@ -4368,10 +4290,9 @@
           <a:lstStyle/>
           <a:p>
             <a:r>
-              <a:rPr lang="en-US" smtClean="0"/>
+              <a:rPr lang="en-US"/>
               <a:t>Click to edit Master title style</a:t>
             </a:r>
-            <a:endParaRPr lang="en-US"/>
           </a:p>
         </p:txBody>
       </p:sp>
@@ -4402,38 +4323,37 @@
           <a:p>
             <a:pPr lvl="0"/>
             <a:r>
-              <a:rPr lang="en-US" smtClean="0"/>
+              <a:rPr lang="en-US"/>
               <a:t>Click to edit Master text styles</a:t>
             </a:r>
           </a:p>
           <a:p>
             <a:pPr lvl="1"/>
             <a:r>
-              <a:rPr lang="en-US" smtClean="0"/>
+              <a:rPr lang="en-US"/>
               <a:t>Second level</a:t>
             </a:r>
           </a:p>
           <a:p>
             <a:pPr lvl="2"/>
             <a:r>
-              <a:rPr lang="en-US" smtClean="0"/>
+              <a:rPr lang="en-US"/>
               <a:t>Third level</a:t>
             </a:r>
           </a:p>
           <a:p>
             <a:pPr lvl="3"/>
             <a:r>
-              <a:rPr lang="en-US" smtClean="0"/>
+              <a:rPr lang="en-US"/>
               <a:t>Fourth level</a:t>
             </a:r>
           </a:p>
           <a:p>
             <a:pPr lvl="4"/>
             <a:r>
-              <a:rPr lang="en-US" smtClean="0"/>
+              <a:rPr lang="en-US"/>
               <a:t>Fifth level</a:t>
             </a:r>
-            <a:endParaRPr lang="en-US"/>
           </a:p>
         </p:txBody>
       </p:sp>
@@ -4472,7 +4392,7 @@
           <a:p>
             <a:fld id="{02B3F677-983B-48DB-ADFD-63FE6CBC7FB2}" type="datetime1">
               <a:rPr lang="en-US" smtClean="0"/>
-              <a:t>11/15/2015</a:t>
+              <a:t>11/4/2016</a:t>
             </a:fld>
             <a:endParaRPr lang="en-US"/>
           </a:p>
@@ -4581,13 +4501,6 @@
     <p:sldLayoutId id="2147483675" r:id="rId14"/>
     <p:sldLayoutId id="2147483676" r:id="rId15"/>
   </p:sldLayoutIdLst>
-  <p:timing>
-    <p:tnLst>
-      <p:par>
-        <p:cTn id="1" dur="indefinite" restart="never" nodeType="tmRoot"/>
-      </p:par>
-    </p:tnLst>
-  </p:timing>
   <p:hf hdr="0" ftr="0" dt="0"/>
   <p:txStyles>
     <p:titleStyle>
@@ -4875,10 +4788,9 @@
           <a:lstStyle/>
           <a:p>
             <a:r>
-              <a:rPr lang="en-US" dirty="0" smtClean="0"/>
+              <a:rPr lang="en-US" dirty="0"/>
               <a:t>Testing Mutable Objects</a:t>
             </a:r>
-            <a:endParaRPr lang="en-US" dirty="0"/>
           </a:p>
         </p:txBody>
       </p:sp>
@@ -4898,30 +4810,29 @@
           <a:lstStyle/>
           <a:p>
             <a:r>
-              <a:rPr lang="en-US" dirty="0" smtClean="0"/>
+              <a:rPr lang="en-US" dirty="0"/>
               <a:t>CS 5010 Program Design Paradigms</a:t>
             </a:r>
           </a:p>
           <a:p>
             <a:r>
-              <a:rPr lang="en-US" dirty="0" smtClean="0"/>
+              <a:rPr lang="en-US" dirty="0"/>
               <a:t>"</a:t>
             </a:r>
             <a:r>
-              <a:rPr lang="en-US" dirty="0" err="1" smtClean="0"/>
+              <a:rPr lang="en-US" dirty="0" err="1"/>
               <a:t>Bootcamp</a:t>
             </a:r>
             <a:r>
-              <a:rPr lang="en-US" dirty="0" smtClean="0"/>
+              <a:rPr lang="en-US" dirty="0"/>
               <a:t>"</a:t>
             </a:r>
           </a:p>
           <a:p>
             <a:r>
-              <a:rPr lang="en-US" dirty="0" smtClean="0"/>
-              <a:t>Lesson 10.5</a:t>
-            </a:r>
-            <a:endParaRPr lang="en-US" dirty="0"/>
+              <a:rPr lang="en-US" dirty="0"/>
+              <a:t>Lesson 10.7</a:t>
+            </a:r>
           </a:p>
         </p:txBody>
       </p:sp>
@@ -5016,27 +4927,13 @@
             <a:p>
               <a:r>
                 <a:rPr lang="en-US" sz="1000" dirty="0"/>
-                <a:t>© Mitchell Wand, </a:t>
-              </a:r>
-              <a:r>
-                <a:rPr lang="en-US" sz="1000" dirty="0" smtClean="0"/>
-                <a:t>2012-2015</a:t>
+                <a:t>© Mitchell Wand, 2012-2015</a:t>
               </a:r>
             </a:p>
             <a:p>
               <a:r>
-                <a:rPr lang="en-US" sz="1000" dirty="0" smtClean="0"/>
+                <a:rPr lang="en-US" sz="1000" dirty="0"/>
                 <a:t>This work is licensed under a </a:t>
-              </a:r>
-              <a:r>
-                <a:rPr lang="en-US" altLang="en-US" sz="1000" dirty="0" smtClean="0">
-                  <a:solidFill>
-                    <a:srgbClr val="4374B7"/>
-                  </a:solidFill>
-                  <a:latin typeface="Helvetica Neue"/>
-                  <a:hlinkClick r:id="rId4"/>
-                </a:rPr>
-                <a:t>Creative </a:t>
               </a:r>
               <a:r>
                 <a:rPr lang="en-US" altLang="en-US" sz="1000" dirty="0">
@@ -5046,7 +4943,7 @@
                   <a:latin typeface="Helvetica Neue"/>
                   <a:hlinkClick r:id="rId4"/>
                 </a:rPr>
-                <a:t>Commons Attribution-</a:t>
+                <a:t>Creative Commons Attribution-</a:t>
               </a:r>
               <a:r>
                 <a:rPr lang="en-US" altLang="en-US" sz="1000" dirty="0" err="1">
@@ -5069,10 +4966,9 @@
                 <a:t> 4.0 International License</a:t>
               </a:r>
               <a:r>
-                <a:rPr lang="en-US" sz="1000" dirty="0" smtClean="0"/>
+                <a:rPr lang="en-US" sz="1000" dirty="0"/>
                 <a:t>.</a:t>
               </a:r>
-              <a:endParaRPr lang="en-US" sz="1000" dirty="0"/>
             </a:p>
           </p:txBody>
         </p:sp>
@@ -5087,13 +4983,6 @@
   <p:clrMapOvr>
     <a:masterClrMapping/>
   </p:clrMapOvr>
-  <p:timing>
-    <p:tnLst>
-      <p:par>
-        <p:cTn id="1" dur="indefinite" restart="never" nodeType="tmRoot"/>
-      </p:par>
-    </p:tnLst>
-  </p:timing>
 </p:sld>
 </file>
 
@@ -5135,14 +5024,13 @@
           <a:lstStyle/>
           <a:p>
             <a:r>
-              <a:rPr lang="en-US" dirty="0" smtClean="0"/>
+              <a:rPr lang="en-US" dirty="0"/>
               <a:t>Checking </a:t>
             </a:r>
             <a:r>
-              <a:rPr lang="en-US" b="1" dirty="0" smtClean="0"/>
+              <a:rPr lang="en-US" b="1" dirty="0"/>
               <a:t>(next-speed)</a:t>
             </a:r>
-            <a:endParaRPr lang="en-US" b="1" dirty="0"/>
           </a:p>
         </p:txBody>
       </p:sp>
@@ -5389,18 +5277,13 @@
           <a:p>
             <a:pPr algn="ctr"/>
             <a:r>
-              <a:rPr lang="en-US" dirty="0" smtClean="0">
+              <a:rPr lang="en-US" dirty="0">
                 <a:solidFill>
                   <a:schemeClr val="tx1"/>
                 </a:solidFill>
               </a:rPr>
               <a:t>This test passed!</a:t>
             </a:r>
-            <a:endParaRPr lang="en-US" dirty="0">
-              <a:solidFill>
-                <a:schemeClr val="tx1"/>
-              </a:solidFill>
-            </a:endParaRPr>
           </a:p>
         </p:txBody>
       </p:sp>
@@ -5485,10 +5368,9 @@
           <a:lstStyle/>
           <a:p>
             <a:r>
-              <a:rPr lang="en-US" dirty="0" smtClean="0"/>
+              <a:rPr lang="en-US" dirty="0"/>
               <a:t>What happened?</a:t>
             </a:r>
-            <a:endParaRPr lang="en-US" dirty="0"/>
           </a:p>
         </p:txBody>
       </p:sp>
@@ -5510,37 +5392,15 @@
           <a:lstStyle/>
           <a:p>
             <a:r>
-              <a:rPr lang="en-US" sz="3500" dirty="0" smtClean="0"/>
-              <a:t>Hmm</a:t>
-            </a:r>
-            <a:r>
               <a:rPr lang="en-US" sz="3500" dirty="0"/>
-              <a:t>, next-speed returns 50, but when we do after-tick, the speed </a:t>
-            </a:r>
-            <a:r>
-              <a:rPr lang="en-US" sz="3500" dirty="0" smtClean="0"/>
-              <a:t>of the </a:t>
-            </a:r>
+              <a:t>Hmm, next-speed returns 50, but when we do after-tick, the speed of the resulting ball is -50. </a:t>
+            </a:r>
+          </a:p>
+          <a:p>
             <a:r>
               <a:rPr lang="en-US" sz="3500" dirty="0"/>
-              <a:t>resulting ball is -50. </a:t>
-            </a:r>
-            <a:endParaRPr lang="en-US" sz="3500" dirty="0" smtClean="0"/>
-          </a:p>
-          <a:p>
-            <a:r>
-              <a:rPr lang="en-US" sz="3500" dirty="0" smtClean="0"/>
-              <a:t>What </a:t>
-            </a:r>
-            <a:r>
-              <a:rPr lang="en-US" sz="3500" dirty="0"/>
-              <a:t>happened</a:t>
-            </a:r>
-            <a:r>
-              <a:rPr lang="en-US" sz="3500" dirty="0" smtClean="0"/>
-              <a:t>?  Let's look at the code:</a:t>
-            </a:r>
-            <a:endParaRPr lang="en-US" sz="3500" dirty="0"/>
+              <a:t>What happened?  Let's look at the code:</a:t>
+            </a:r>
           </a:p>
           <a:p>
             <a:pPr marL="0" indent="0">
@@ -5591,47 +5451,19 @@
                 <a:latin typeface="Consolas" panose="020B0609020204030204" pitchFamily="49" charset="0"/>
                 <a:cs typeface="Consolas" panose="020B0609020204030204" pitchFamily="49" charset="0"/>
               </a:rPr>
-              <a:t>        </a:t>
-            </a:r>
-            <a:r>
-              <a:rPr lang="en-US" sz="1900" b="1" dirty="0" smtClean="0">
-                <a:latin typeface="Consolas" panose="020B0609020204030204" pitchFamily="49" charset="0"/>
-                <a:cs typeface="Consolas" panose="020B0609020204030204" pitchFamily="49" charset="0"/>
-              </a:rPr>
-              <a:t>(</a:t>
-            </a:r>
+              <a:t>        (begin</a:t>
+            </a:r>
+          </a:p>
+          <a:p>
+            <a:pPr marL="0" indent="0">
+              <a:buNone/>
+            </a:pPr>
             <a:r>
               <a:rPr lang="en-US" sz="1900" b="1" dirty="0">
                 <a:latin typeface="Consolas" panose="020B0609020204030204" pitchFamily="49" charset="0"/>
                 <a:cs typeface="Consolas" panose="020B0609020204030204" pitchFamily="49" charset="0"/>
               </a:rPr>
-              <a:t>begin</a:t>
-            </a:r>
-          </a:p>
-          <a:p>
-            <a:pPr marL="0" indent="0">
-              <a:buNone/>
-            </a:pPr>
-            <a:r>
-              <a:rPr lang="en-US" sz="1900" b="1" dirty="0">
-                <a:latin typeface="Consolas" panose="020B0609020204030204" pitchFamily="49" charset="0"/>
-                <a:cs typeface="Consolas" panose="020B0609020204030204" pitchFamily="49" charset="0"/>
-              </a:rPr>
-              <a:t>          (set! x </a:t>
-            </a:r>
-            <a:r>
-              <a:rPr lang="en-US" sz="1900" b="1" dirty="0" smtClean="0">
-                <a:latin typeface="Consolas" panose="020B0609020204030204" pitchFamily="49" charset="0"/>
-                <a:cs typeface="Consolas" panose="020B0609020204030204" pitchFamily="49" charset="0"/>
-              </a:rPr>
-              <a:t>    (</a:t>
-            </a:r>
-            <a:r>
-              <a:rPr lang="en-US" sz="1900" b="1" dirty="0">
-                <a:latin typeface="Consolas" panose="020B0609020204030204" pitchFamily="49" charset="0"/>
-                <a:cs typeface="Consolas" panose="020B0609020204030204" pitchFamily="49" charset="0"/>
-              </a:rPr>
-              <a:t>next-x-</a:t>
+              <a:t>          (set! x     (next-x-</a:t>
             </a:r>
             <a:r>
               <a:rPr lang="en-US" sz="1900" b="1" dirty="0" err="1">
@@ -5749,10 +5581,9 @@
           <a:lstStyle/>
           <a:p>
             <a:r>
-              <a:rPr lang="en-US" dirty="0" smtClean="0"/>
+              <a:rPr lang="en-US" dirty="0"/>
               <a:t>What happened?</a:t>
             </a:r>
-            <a:endParaRPr lang="en-US" dirty="0"/>
           </a:p>
         </p:txBody>
       </p:sp>
@@ -5776,38 +5607,24 @@
             <a:pPr marL="0" indent="0">
               <a:buNone/>
             </a:pPr>
-            <a:r>
-              <a:rPr lang="en-US" b="1" dirty="0" smtClean="0">
-                <a:latin typeface="Consolas" panose="020B0609020204030204" pitchFamily="49" charset="0"/>
-                <a:cs typeface="Consolas" panose="020B0609020204030204" pitchFamily="49" charset="0"/>
-              </a:rPr>
-              <a:t>(</a:t>
-            </a:r>
             <a:r>
               <a:rPr lang="en-US" b="1" dirty="0">
                 <a:latin typeface="Consolas" panose="020B0609020204030204" pitchFamily="49" charset="0"/>
                 <a:cs typeface="Consolas" panose="020B0609020204030204" pitchFamily="49" charset="0"/>
               </a:rPr>
-              <a:t>define/public (after-tick)</a:t>
+              <a:t>(define/public (after-tick)</a:t>
             </a:r>
           </a:p>
           <a:p>
             <a:pPr marL="0" indent="0">
               <a:buNone/>
             </a:pPr>
-            <a:r>
-              <a:rPr lang="en-US" b="1" dirty="0" smtClean="0">
-                <a:latin typeface="Consolas" panose="020B0609020204030204" pitchFamily="49" charset="0"/>
-                <a:cs typeface="Consolas" panose="020B0609020204030204" pitchFamily="49" charset="0"/>
-              </a:rPr>
-              <a:t>  </a:t>
-            </a:r>
             <a:r>
               <a:rPr lang="en-US" b="1" dirty="0">
                 <a:latin typeface="Consolas" panose="020B0609020204030204" pitchFamily="49" charset="0"/>
                 <a:cs typeface="Consolas" panose="020B0609020204030204" pitchFamily="49" charset="0"/>
               </a:rPr>
-              <a:t>(if selected?</a:t>
+              <a:t>  (if selected?</a:t>
             </a:r>
           </a:p>
           <a:p>
@@ -5819,21 +5636,19 @@
                 <a:latin typeface="Consolas" panose="020B0609020204030204" pitchFamily="49" charset="0"/>
                 <a:cs typeface="Consolas" panose="020B0609020204030204" pitchFamily="49" charset="0"/>
               </a:rPr>
-              <a:t> </a:t>
-            </a:r>
-            <a:r>
-              <a:rPr lang="en-US" b="1" dirty="0" smtClean="0">
-                <a:latin typeface="Consolas" panose="020B0609020204030204" pitchFamily="49" charset="0"/>
-                <a:cs typeface="Consolas" panose="020B0609020204030204" pitchFamily="49" charset="0"/>
-              </a:rPr>
-              <a:t>     </a:t>
-            </a:r>
+              <a:t>      this</a:t>
+            </a:r>
+          </a:p>
+          <a:p>
+            <a:pPr marL="0" indent="0">
+              <a:buNone/>
+            </a:pPr>
             <a:r>
               <a:rPr lang="en-US" b="1" dirty="0">
                 <a:latin typeface="Consolas" panose="020B0609020204030204" pitchFamily="49" charset="0"/>
                 <a:cs typeface="Consolas" panose="020B0609020204030204" pitchFamily="49" charset="0"/>
               </a:rPr>
-              <a:t>this</a:t>
+              <a:t>      (begin</a:t>
             </a:r>
           </a:p>
           <a:p>
@@ -5845,61 +5660,7 @@
                 <a:latin typeface="Consolas" panose="020B0609020204030204" pitchFamily="49" charset="0"/>
                 <a:cs typeface="Consolas" panose="020B0609020204030204" pitchFamily="49" charset="0"/>
               </a:rPr>
-              <a:t> </a:t>
-            </a:r>
-            <a:r>
-              <a:rPr lang="en-US" b="1" dirty="0" smtClean="0">
-                <a:latin typeface="Consolas" panose="020B0609020204030204" pitchFamily="49" charset="0"/>
-                <a:cs typeface="Consolas" panose="020B0609020204030204" pitchFamily="49" charset="0"/>
-              </a:rPr>
-              <a:t>     (</a:t>
-            </a:r>
-            <a:r>
-              <a:rPr lang="en-US" b="1" dirty="0">
-                <a:latin typeface="Consolas" panose="020B0609020204030204" pitchFamily="49" charset="0"/>
-                <a:cs typeface="Consolas" panose="020B0609020204030204" pitchFamily="49" charset="0"/>
-              </a:rPr>
-              <a:t>begin</a:t>
-            </a:r>
-          </a:p>
-          <a:p>
-            <a:pPr marL="0" indent="0">
-              <a:buNone/>
-            </a:pPr>
-            <a:r>
-              <a:rPr lang="en-US" b="1" dirty="0">
-                <a:latin typeface="Consolas" panose="020B0609020204030204" pitchFamily="49" charset="0"/>
-                <a:cs typeface="Consolas" panose="020B0609020204030204" pitchFamily="49" charset="0"/>
-              </a:rPr>
-              <a:t> </a:t>
-            </a:r>
-            <a:r>
-              <a:rPr lang="en-US" b="1" dirty="0" smtClean="0">
-                <a:latin typeface="Consolas" panose="020B0609020204030204" pitchFamily="49" charset="0"/>
-                <a:cs typeface="Consolas" panose="020B0609020204030204" pitchFamily="49" charset="0"/>
-              </a:rPr>
-              <a:t>       </a:t>
-            </a:r>
-            <a:r>
-              <a:rPr lang="en-US" b="1" dirty="0">
-                <a:latin typeface="Consolas" panose="020B0609020204030204" pitchFamily="49" charset="0"/>
-                <a:cs typeface="Consolas" panose="020B0609020204030204" pitchFamily="49" charset="0"/>
-              </a:rPr>
-              <a:t>(set! x </a:t>
-            </a:r>
-            <a:r>
-              <a:rPr lang="en-US" b="1" dirty="0" smtClean="0">
-                <a:latin typeface="Consolas" panose="020B0609020204030204" pitchFamily="49" charset="0"/>
-                <a:cs typeface="Consolas" panose="020B0609020204030204" pitchFamily="49" charset="0"/>
-              </a:rPr>
-              <a:t>    (</a:t>
-            </a:r>
-            <a:r>
-              <a:rPr lang="en-US" b="1" dirty="0">
-                <a:latin typeface="Consolas" panose="020B0609020204030204" pitchFamily="49" charset="0"/>
-                <a:cs typeface="Consolas" panose="020B0609020204030204" pitchFamily="49" charset="0"/>
-              </a:rPr>
-              <a:t>next-x-</a:t>
+              <a:t>        (set! x     (next-x-</a:t>
             </a:r>
             <a:r>
               <a:rPr lang="en-US" b="1" dirty="0" err="1">
@@ -5925,21 +5686,7 @@
                 <a:latin typeface="Consolas" panose="020B0609020204030204" pitchFamily="49" charset="0"/>
                 <a:cs typeface="Consolas" panose="020B0609020204030204" pitchFamily="49" charset="0"/>
               </a:rPr>
-              <a:t> </a:t>
-            </a:r>
-            <a:r>
-              <a:rPr lang="en-US" b="1" dirty="0" smtClean="0">
-                <a:latin typeface="Consolas" panose="020B0609020204030204" pitchFamily="49" charset="0"/>
-                <a:cs typeface="Consolas" panose="020B0609020204030204" pitchFamily="49" charset="0"/>
-              </a:rPr>
-              <a:t>       </a:t>
-            </a:r>
-            <a:r>
-              <a:rPr lang="en-US" b="1" dirty="0">
-                <a:latin typeface="Consolas" panose="020B0609020204030204" pitchFamily="49" charset="0"/>
-                <a:cs typeface="Consolas" panose="020B0609020204030204" pitchFamily="49" charset="0"/>
-              </a:rPr>
-              <a:t>(set! speed (next-speed)))))</a:t>
+              <a:t>        (set! speed (next-speed)))))</a:t>
             </a:r>
           </a:p>
           <a:p>
@@ -5950,82 +5697,76 @@
           </a:p>
           <a:p>
             <a:r>
-              <a:rPr lang="en-US" sz="5100" dirty="0" smtClean="0"/>
+              <a:rPr lang="en-US" sz="5100" dirty="0"/>
               <a:t>Aha! </a:t>
             </a:r>
             <a:r>
-              <a:rPr lang="en-US" sz="5100" b="1" dirty="0" smtClean="0"/>
+              <a:rPr lang="en-US" sz="5100" b="1" dirty="0"/>
               <a:t>(next-speed) </a:t>
             </a:r>
             <a:r>
-              <a:rPr lang="en-US" sz="5100" dirty="0" smtClean="0"/>
+              <a:rPr lang="en-US" sz="5100" dirty="0"/>
               <a:t>depends on </a:t>
             </a:r>
             <a:r>
-              <a:rPr lang="en-US" sz="5100" b="1" dirty="0" smtClean="0"/>
+              <a:rPr lang="en-US" sz="5100" b="1" dirty="0"/>
               <a:t>x</a:t>
             </a:r>
             <a:r>
-              <a:rPr lang="en-US" sz="5100" dirty="0" smtClean="0"/>
+              <a:rPr lang="en-US" sz="5100" dirty="0"/>
               <a:t>, but when we did the </a:t>
             </a:r>
             <a:r>
-              <a:rPr lang="en-US" sz="5100" b="1" dirty="0" smtClean="0"/>
+              <a:rPr lang="en-US" sz="5100" b="1" dirty="0"/>
               <a:t>(set! x (next-x-</a:t>
             </a:r>
             <a:r>
-              <a:rPr lang="en-US" sz="5100" b="1" dirty="0" err="1" smtClean="0"/>
+              <a:rPr lang="en-US" sz="5100" b="1" dirty="0" err="1"/>
               <a:t>pos</a:t>
             </a:r>
             <a:r>
-              <a:rPr lang="en-US" sz="5100" b="1" dirty="0" smtClean="0"/>
+              <a:rPr lang="en-US" sz="5100" b="1" dirty="0"/>
               <a:t>)) </a:t>
             </a:r>
             <a:r>
-              <a:rPr lang="en-US" sz="5100" dirty="0" smtClean="0"/>
+              <a:rPr lang="en-US" sz="5100" dirty="0"/>
               <a:t>we changed the value of </a:t>
             </a:r>
             <a:r>
-              <a:rPr lang="en-US" sz="5100" b="1" dirty="0" smtClean="0"/>
+              <a:rPr lang="en-US" sz="5100" b="1" dirty="0"/>
               <a:t>x</a:t>
             </a:r>
             <a:r>
-              <a:rPr lang="en-US" sz="5100" dirty="0" smtClean="0"/>
+              <a:rPr lang="en-US" sz="5100" dirty="0"/>
               <a:t>.</a:t>
             </a:r>
-            <a:endParaRPr lang="en-US" sz="5100" dirty="0"/>
-          </a:p>
-          <a:p>
-            <a:r>
-              <a:rPr lang="en-US" sz="5100" dirty="0" smtClean="0"/>
+          </a:p>
+          <a:p>
+            <a:r>
+              <a:rPr lang="en-US" sz="5100" dirty="0"/>
               <a:t>So </a:t>
             </a:r>
             <a:r>
-              <a:rPr lang="en-US" sz="5100" b="1" dirty="0" smtClean="0"/>
+              <a:rPr lang="en-US" sz="5100" b="1" dirty="0"/>
               <a:t>(next-speed) </a:t>
             </a:r>
             <a:r>
-              <a:rPr lang="en-US" sz="5100" dirty="0" smtClean="0"/>
+              <a:rPr lang="en-US" sz="5100" dirty="0"/>
               <a:t>wound up looking at the new value of </a:t>
             </a:r>
             <a:r>
-              <a:rPr lang="en-US" sz="5100" b="1" dirty="0" smtClean="0"/>
+              <a:rPr lang="en-US" sz="5100" b="1" dirty="0"/>
               <a:t>x</a:t>
             </a:r>
             <a:r>
-              <a:rPr lang="en-US" sz="5100" dirty="0" smtClean="0"/>
+              <a:rPr lang="en-US" sz="5100" dirty="0"/>
               <a:t>, not the old value.</a:t>
             </a:r>
-            <a:endParaRPr lang="en-US" sz="5100" dirty="0"/>
-          </a:p>
-          <a:p>
-            <a:r>
-              <a:rPr lang="en-US" sz="5100" dirty="0" smtClean="0"/>
-              <a:t>Reversing </a:t>
-            </a:r>
+          </a:p>
+          <a:p>
             <a:r>
               <a:rPr lang="en-US" sz="5100" dirty="0"/>
-              <a:t>the order of the </a:t>
+              <a:t>Reversing the order of the </a:t>
             </a:r>
             <a:r>
               <a:rPr lang="en-US" sz="5100" b="1" dirty="0" err="1"/>
@@ -6041,19 +5782,11 @@
             </a:r>
             <a:r>
               <a:rPr lang="en-US" sz="5100" b="1" dirty="0"/>
-              <a:t>(</a:t>
-            </a:r>
-            <a:r>
-              <a:rPr lang="en-US" sz="5100" b="1" dirty="0" smtClean="0"/>
-              <a:t>next-x) </a:t>
-            </a:r>
-            <a:r>
-              <a:rPr lang="en-US" sz="5100" dirty="0" smtClean="0"/>
-              <a:t>also </a:t>
+              <a:t>(next-x) </a:t>
             </a:r>
             <a:r>
               <a:rPr lang="en-US" sz="5100" dirty="0"/>
-              <a:t>depends on </a:t>
+              <a:t>also depends on </a:t>
             </a:r>
             <a:r>
               <a:rPr lang="en-US" sz="5100" b="1" dirty="0"/>
@@ -6063,28 +5796,19 @@
               <a:rPr lang="en-US" sz="5100" dirty="0"/>
               <a:t>.  </a:t>
             </a:r>
-            <a:endParaRPr lang="en-US" sz="5100" dirty="0" smtClean="0"/>
-          </a:p>
-          <a:p>
-            <a:r>
-              <a:rPr lang="en-US" sz="5100" dirty="0" smtClean="0"/>
-              <a:t>So </a:t>
-            </a:r>
+          </a:p>
+          <a:p>
             <a:r>
               <a:rPr lang="en-US" sz="5100" dirty="0"/>
-              <a:t>we need to compute both values </a:t>
-            </a:r>
-            <a:r>
-              <a:rPr lang="en-US" sz="5100" i="1" dirty="0" smtClean="0"/>
+              <a:t>So we need to compute both values </a:t>
+            </a:r>
+            <a:r>
+              <a:rPr lang="en-US" sz="5100" i="1" dirty="0"/>
               <a:t>before</a:t>
             </a:r>
             <a:r>
-              <a:rPr lang="en-US" sz="5100" dirty="0" smtClean="0"/>
-              <a:t> we </a:t>
-            </a:r>
-            <a:r>
               <a:rPr lang="en-US" sz="5100" dirty="0"/>
-              <a:t>do the </a:t>
+              <a:t> we do the </a:t>
             </a:r>
             <a:r>
               <a:rPr lang="en-US" sz="5100" b="1" dirty="0" err="1"/>
@@ -6098,24 +5822,19 @@
               <a:rPr lang="en-US" sz="5100" dirty="0"/>
               <a:t>.  </a:t>
             </a:r>
-            <a:endParaRPr lang="en-US" sz="5100" dirty="0" smtClean="0"/>
-          </a:p>
-          <a:p>
-            <a:r>
-              <a:rPr lang="en-US" sz="5100" dirty="0" smtClean="0"/>
+          </a:p>
+          <a:p>
+            <a:r>
+              <a:rPr lang="en-US" sz="5100" dirty="0"/>
               <a:t>See </a:t>
             </a:r>
             <a:r>
-              <a:rPr lang="en-US" sz="5100" smtClean="0"/>
+              <a:rPr lang="en-US" sz="5100"/>
               <a:t>Guided Practice </a:t>
             </a:r>
             <a:r>
               <a:rPr lang="en-US" sz="5100" dirty="0"/>
-              <a:t>10.1 for more examples like this</a:t>
-            </a:r>
-            <a:r>
-              <a:rPr lang="en-US" sz="5100" dirty="0" smtClean="0"/>
-              <a:t>.</a:t>
+              <a:t>10.1 for more examples like this.</a:t>
             </a:r>
           </a:p>
           <a:p>
@@ -6204,10 +5923,9 @@
           <a:lstStyle/>
           <a:p>
             <a:r>
-              <a:rPr lang="en-US" dirty="0" smtClean="0"/>
+              <a:rPr lang="en-US" dirty="0"/>
               <a:t>Here's the fixed code</a:t>
             </a:r>
-            <a:endParaRPr lang="en-US" dirty="0"/>
           </a:p>
         </p:txBody>
       </p:sp>
@@ -6251,20 +5969,8 @@
           </a:p>
           <a:p>
             <a:r>
-              <a:rPr lang="en-US" sz="2200" dirty="0" smtClean="0"/>
-              <a:t>        </a:t>
-            </a:r>
-            <a:r>
               <a:rPr lang="en-US" sz="2200" dirty="0"/>
-              <a:t>(let ((x1 </a:t>
-            </a:r>
-            <a:r>
-              <a:rPr lang="en-US" sz="2200" dirty="0" smtClean="0"/>
-              <a:t>    (</a:t>
-            </a:r>
-            <a:r>
-              <a:rPr lang="en-US" sz="2200" dirty="0"/>
-              <a:t>next-x-</a:t>
+              <a:t>        (let ((x1     (next-x-</a:t>
             </a:r>
             <a:r>
               <a:rPr lang="en-US" sz="2200" dirty="0" err="1"/>
@@ -6284,43 +5990,19 @@
           <a:p>
             <a:r>
               <a:rPr lang="en-US" sz="2200" dirty="0"/>
-              <a:t>         </a:t>
-            </a:r>
-            <a:r>
-              <a:rPr lang="en-US" sz="2200" dirty="0" smtClean="0"/>
-              <a:t>(</a:t>
-            </a:r>
+              <a:t>         (begin</a:t>
+            </a:r>
+          </a:p>
+          <a:p>
             <a:r>
               <a:rPr lang="en-US" sz="2200" dirty="0"/>
-              <a:t>begin</a:t>
+              <a:t>           (set! speed speed1)</a:t>
             </a:r>
           </a:p>
           <a:p>
             <a:r>
               <a:rPr lang="en-US" sz="2200" dirty="0"/>
-              <a:t>         </a:t>
-            </a:r>
-            <a:r>
-              <a:rPr lang="en-US" sz="2200" dirty="0" smtClean="0"/>
-              <a:t>  </a:t>
-            </a:r>
-            <a:r>
-              <a:rPr lang="en-US" sz="2200" dirty="0"/>
-              <a:t>(set! speed speed1)</a:t>
-            </a:r>
-          </a:p>
-          <a:p>
-            <a:r>
-              <a:rPr lang="en-US" sz="2200" dirty="0"/>
-              <a:t>          </a:t>
-            </a:r>
-            <a:r>
-              <a:rPr lang="en-US" sz="2200" dirty="0" smtClean="0"/>
-              <a:t> </a:t>
-            </a:r>
-            <a:r>
-              <a:rPr lang="en-US" sz="2200" dirty="0"/>
-              <a:t>(set! x x1)))))</a:t>
+              <a:t>           (set! x x1)))))</a:t>
             </a:r>
           </a:p>
         </p:txBody>
@@ -6395,7 +6077,7 @@
           <a:p>
             <a:pPr algn="ctr"/>
             <a:r>
-              <a:rPr lang="en-US" b="1" dirty="0" smtClean="0">
+              <a:rPr lang="en-US" b="1" dirty="0">
                 <a:solidFill>
                   <a:schemeClr val="tx1"/>
                 </a:solidFill>
@@ -6403,7 +6085,7 @@
               <a:t>(next-x-</a:t>
             </a:r>
             <a:r>
-              <a:rPr lang="en-US" b="1" dirty="0" err="1" smtClean="0">
+              <a:rPr lang="en-US" b="1" dirty="0" err="1">
                 <a:solidFill>
                   <a:schemeClr val="tx1"/>
                 </a:solidFill>
@@ -6411,7 +6093,7 @@
               <a:t>pos</a:t>
             </a:r>
             <a:r>
-              <a:rPr lang="en-US" b="1" dirty="0" smtClean="0">
+              <a:rPr lang="en-US" b="1" dirty="0">
                 <a:solidFill>
                   <a:schemeClr val="tx1"/>
                 </a:solidFill>
@@ -6419,7 +6101,7 @@
               <a:t>) </a:t>
             </a:r>
             <a:r>
-              <a:rPr lang="en-US" dirty="0" smtClean="0">
+              <a:rPr lang="en-US" dirty="0">
                 <a:solidFill>
                   <a:schemeClr val="tx1"/>
                 </a:solidFill>
@@ -6427,7 +6109,7 @@
               <a:t>and </a:t>
             </a:r>
             <a:r>
-              <a:rPr lang="en-US" b="1" dirty="0" smtClean="0">
+              <a:rPr lang="en-US" b="1" dirty="0">
                 <a:solidFill>
                   <a:schemeClr val="tx1"/>
                 </a:solidFill>
@@ -6435,7 +6117,7 @@
               <a:t>(next-speed) </a:t>
             </a:r>
             <a:r>
-              <a:rPr lang="en-US" dirty="0" smtClean="0">
+              <a:rPr lang="en-US" dirty="0">
                 <a:solidFill>
                   <a:schemeClr val="tx1"/>
                 </a:solidFill>
@@ -6443,7 +6125,7 @@
               <a:t>both need the old values of </a:t>
             </a:r>
             <a:r>
-              <a:rPr lang="en-US" b="1" dirty="0" smtClean="0">
+              <a:rPr lang="en-US" b="1" dirty="0">
                 <a:solidFill>
                   <a:schemeClr val="tx1"/>
                 </a:solidFill>
@@ -6451,7 +6133,7 @@
               <a:t>x</a:t>
             </a:r>
             <a:r>
-              <a:rPr lang="en-US" dirty="0" smtClean="0">
+              <a:rPr lang="en-US" dirty="0">
                 <a:solidFill>
                   <a:schemeClr val="tx1"/>
                 </a:solidFill>
@@ -6459,7 +6141,7 @@
               <a:t> and </a:t>
             </a:r>
             <a:r>
-              <a:rPr lang="en-US" b="1" dirty="0" smtClean="0">
+              <a:rPr lang="en-US" b="1" dirty="0">
                 <a:solidFill>
                   <a:schemeClr val="tx1"/>
                 </a:solidFill>
@@ -6467,7 +6149,7 @@
               <a:t>speed</a:t>
             </a:r>
             <a:r>
-              <a:rPr lang="en-US" dirty="0" smtClean="0">
+              <a:rPr lang="en-US" dirty="0">
                 <a:solidFill>
                   <a:schemeClr val="tx1"/>
                 </a:solidFill>
@@ -6475,7 +6157,7 @@
               <a:t>, so we compute them both and THEN change the values of </a:t>
             </a:r>
             <a:r>
-              <a:rPr lang="en-US" b="1" dirty="0" smtClean="0">
+              <a:rPr lang="en-US" b="1" dirty="0">
                 <a:solidFill>
                   <a:schemeClr val="tx1"/>
                 </a:solidFill>
@@ -6483,7 +6165,7 @@
               <a:t>x</a:t>
             </a:r>
             <a:r>
-              <a:rPr lang="en-US" dirty="0" smtClean="0">
+              <a:rPr lang="en-US" dirty="0">
                 <a:solidFill>
                   <a:schemeClr val="tx1"/>
                 </a:solidFill>
@@ -6491,7 +6173,7 @@
               <a:t> and </a:t>
             </a:r>
             <a:r>
-              <a:rPr lang="en-US" b="1" dirty="0" smtClean="0">
+              <a:rPr lang="en-US" b="1" dirty="0">
                 <a:solidFill>
                   <a:schemeClr val="tx1"/>
                 </a:solidFill>
@@ -6499,18 +6181,13 @@
               <a:t>speed</a:t>
             </a:r>
             <a:r>
-              <a:rPr lang="en-US" dirty="0" smtClean="0">
+              <a:rPr lang="en-US" dirty="0">
                 <a:solidFill>
                   <a:schemeClr val="tx1"/>
                 </a:solidFill>
               </a:rPr>
               <a:t>.</a:t>
             </a:r>
-            <a:endParaRPr lang="en-US" dirty="0">
-              <a:solidFill>
-                <a:schemeClr val="tx1"/>
-              </a:solidFill>
-            </a:endParaRPr>
           </a:p>
         </p:txBody>
       </p:sp>
@@ -6561,18 +6238,13 @@
           <a:p>
             <a:pPr algn="ctr"/>
             <a:r>
-              <a:rPr lang="en-US" dirty="0" smtClean="0">
+              <a:rPr lang="en-US" dirty="0">
                 <a:solidFill>
                   <a:schemeClr val="tx1"/>
                 </a:solidFill>
               </a:rPr>
               <a:t>See 10-6-push-model-fixed.rkt</a:t>
             </a:r>
-            <a:endParaRPr lang="en-US" dirty="0">
-              <a:solidFill>
-                <a:schemeClr val="tx1"/>
-              </a:solidFill>
-            </a:endParaRPr>
           </a:p>
         </p:txBody>
       </p:sp>
@@ -6622,10 +6294,9 @@
           <a:lstStyle/>
           <a:p>
             <a:r>
-              <a:rPr lang="en-US" dirty="0" smtClean="0"/>
+              <a:rPr lang="en-US" dirty="0"/>
               <a:t>Making testing easier</a:t>
             </a:r>
-            <a:endParaRPr lang="en-US" dirty="0"/>
           </a:p>
         </p:txBody>
       </p:sp>
@@ -6647,21 +6318,20 @@
           <a:lstStyle/>
           <a:p>
             <a:r>
-              <a:rPr lang="en-US" dirty="0" smtClean="0"/>
+              <a:rPr lang="en-US" dirty="0"/>
               <a:t>Feel free to introduce help functions to generalize repeated patterns of code in your tests.</a:t>
             </a:r>
-            <a:endParaRPr lang="en-US" dirty="0"/>
-          </a:p>
-          <a:p>
-            <a:r>
-              <a:rPr lang="en-US" dirty="0" smtClean="0"/>
+          </a:p>
+          <a:p>
+            <a:r>
+              <a:rPr lang="en-US" dirty="0"/>
               <a:t>For these, we won’t require examples, tests, etc.</a:t>
             </a:r>
           </a:p>
           <a:p>
             <a:pPr lvl="1"/>
             <a:r>
-              <a:rPr lang="en-US" dirty="0" smtClean="0"/>
+              <a:rPr lang="en-US" dirty="0"/>
               <a:t>In the real world,  these might be as complicated as your real code, and  might need to be tested themselves.</a:t>
             </a:r>
           </a:p>
@@ -6746,10 +6416,9 @@
           <a:lstStyle/>
           <a:p>
             <a:r>
-              <a:rPr lang="en-US" dirty="0" smtClean="0"/>
+              <a:rPr lang="en-US" dirty="0"/>
               <a:t>What's the moral?</a:t>
             </a:r>
-            <a:endParaRPr lang="en-US" dirty="0"/>
           </a:p>
         </p:txBody>
       </p:sp>
@@ -6769,32 +6438,32 @@
           <a:lstStyle/>
           <a:p>
             <a:r>
-              <a:rPr lang="en-US" dirty="0" smtClean="0"/>
+              <a:rPr lang="en-US" dirty="0"/>
               <a:t>This example shows some of the subtle bugs that can arise when programming with state.</a:t>
             </a:r>
           </a:p>
           <a:p>
             <a:r>
-              <a:rPr lang="en-US" dirty="0" smtClean="0"/>
+              <a:rPr lang="en-US" dirty="0"/>
               <a:t>Always try to stay as functional as you can</a:t>
             </a:r>
           </a:p>
           <a:p>
             <a:pPr lvl="1"/>
             <a:r>
-              <a:rPr lang="en-US" dirty="0" smtClean="0"/>
+              <a:rPr lang="en-US" dirty="0"/>
               <a:t>note that our corrected code was more like functional code than our original.</a:t>
             </a:r>
           </a:p>
           <a:p>
             <a:r>
-              <a:rPr lang="en-US" dirty="0" smtClean="0"/>
+              <a:rPr lang="en-US" dirty="0"/>
               <a:t>Use as little state as you can</a:t>
             </a:r>
           </a:p>
           <a:p>
             <a:r>
-              <a:rPr lang="en-US" dirty="0" smtClean="0"/>
+              <a:rPr lang="en-US" dirty="0"/>
               <a:t>Pass values whenever you can.</a:t>
             </a:r>
           </a:p>
@@ -6869,10 +6538,9 @@
           <a:lstStyle/>
           <a:p>
             <a:r>
-              <a:rPr lang="en-US" dirty="0" smtClean="0"/>
+              <a:rPr lang="en-US" dirty="0"/>
               <a:t>Java Guru on State:</a:t>
             </a:r>
-            <a:endParaRPr lang="en-US" dirty="0"/>
           </a:p>
         </p:txBody>
       </p:sp>
@@ -6897,7 +6565,7 @@
               <a:buNone/>
             </a:pPr>
             <a:r>
-              <a:rPr lang="en-US" i="1" dirty="0" smtClean="0"/>
+              <a:rPr lang="en-US" i="1" dirty="0"/>
               <a:t>Keep the state space of each object as simple as possible. If an object is immutable, it can be in only one state, and you win big. You never have to worry about what state the object is in, and you can share it freely, with no need for synchronization. If you can't make an object immutable, at least minimize the amount of mutation that is possible. This makes it easier to use the object correctly.</a:t>
             </a:r>
           </a:p>
@@ -6906,17 +6574,17 @@
               <a:buNone/>
             </a:pPr>
             <a:r>
-              <a:rPr lang="en-US" i="1" dirty="0" smtClean="0"/>
+              <a:rPr lang="en-US" i="1" dirty="0"/>
               <a:t>As an extreme example of what not to do, consider the case of </a:t>
             </a:r>
             <a:r>
-              <a:rPr lang="en-US" i="1" dirty="0" err="1" smtClean="0">
+              <a:rPr lang="en-US" i="1" dirty="0" err="1">
                 <a:hlinkClick r:id="rId3"/>
               </a:rPr>
               <a:t>java.util.Calendar</a:t>
             </a:r>
             <a:r>
-              <a:rPr lang="en-US" i="1" dirty="0" smtClean="0"/>
+              <a:rPr lang="en-US" i="1" dirty="0"/>
               <a:t>. Very few people understand its state-space -- I certainly don't -- and it's been a constant source of bugs for years.</a:t>
             </a:r>
           </a:p>
@@ -6925,19 +6593,19 @@
               <a:buNone/>
             </a:pPr>
             <a:r>
-              <a:rPr lang="en-US" dirty="0" smtClean="0"/>
+              <a:rPr lang="en-US" dirty="0"/>
               <a:t>               -- </a:t>
             </a:r>
             <a:r>
-              <a:rPr lang="en-US" smtClean="0"/>
+              <a:rPr lang="en-US"/>
               <a:t>Joshua Bloch, </a:t>
             </a:r>
             <a:r>
-              <a:rPr lang="en-US" dirty="0" smtClean="0"/>
+              <a:rPr lang="en-US" dirty="0"/>
               <a:t>Chief Java Architect, Google; author,             	</a:t>
             </a:r>
             <a:r>
-              <a:rPr lang="en-US" i="1" dirty="0" smtClean="0"/>
+              <a:rPr lang="en-US" i="1" dirty="0"/>
               <a:t>Effective Java</a:t>
             </a:r>
             <a:endParaRPr lang="en-US" dirty="0"/>
@@ -7014,21 +6682,8 @@
           <a:p>
             <a:r>
               <a:rPr lang="en-US" dirty="0"/>
-              <a:t>Here’s a quotation </a:t>
-            </a:r>
-            <a:r>
-              <a:rPr lang="en-US" dirty="0" smtClean="0"/>
-              <a:t>on state from </a:t>
-            </a:r>
-            <a:r>
-              <a:rPr lang="en-US" dirty="0"/>
-              <a:t>a famous Java </a:t>
-            </a:r>
-            <a:r>
-              <a:rPr lang="en-US" dirty="0" smtClean="0"/>
-              <a:t>programmer.</a:t>
-            </a:r>
-            <a:endParaRPr lang="en-US" dirty="0"/>
+              <a:t>Here’s a quotation on state from a famous Java programmer.</a:t>
+            </a:r>
           </a:p>
         </p:txBody>
       </p:sp>
@@ -7042,13 +6697,6 @@
   <p:clrMapOvr>
     <a:masterClrMapping/>
   </p:clrMapOvr>
-  <p:timing>
-    <p:tnLst>
-      <p:par>
-        <p:cTn id="1" dur="indefinite" restart="never" nodeType="tmRoot"/>
-      </p:par>
-    </p:tnLst>
-  </p:timing>
 </p:sld>
 </file>
 
@@ -7085,10 +6733,9 @@
           <a:lstStyle/>
           <a:p>
             <a:r>
-              <a:rPr lang="en-US" dirty="0" smtClean="0"/>
+              <a:rPr lang="en-US" dirty="0"/>
               <a:t>Module Summary, so far</a:t>
             </a:r>
-            <a:endParaRPr lang="en-US" dirty="0"/>
           </a:p>
         </p:txBody>
       </p:sp>
@@ -7110,11 +6757,11 @@
           <a:lstStyle/>
           <a:p>
             <a:r>
-              <a:rPr lang="en-US" dirty="0" smtClean="0"/>
+              <a:rPr lang="en-US" dirty="0"/>
               <a:t>We've studied the difference between a </a:t>
             </a:r>
             <a:r>
-              <a:rPr lang="en-US" i="1" dirty="0" smtClean="0">
+              <a:rPr lang="en-US" i="1" dirty="0">
                 <a:solidFill>
                   <a:srgbClr val="FF0000"/>
                 </a:solidFill>
@@ -7122,11 +6769,11 @@
               <a:t>value</a:t>
             </a:r>
             <a:r>
-              <a:rPr lang="en-US" dirty="0" smtClean="0"/>
+              <a:rPr lang="en-US" dirty="0"/>
               <a:t> (usually data) and a </a:t>
             </a:r>
             <a:r>
-              <a:rPr lang="en-US" i="1" dirty="0" smtClean="0">
+              <a:rPr lang="en-US" i="1" dirty="0">
                 <a:solidFill>
                   <a:srgbClr val="FF0000"/>
                 </a:solidFill>
@@ -7134,36 +6781,36 @@
               <a:t>state</a:t>
             </a:r>
             <a:r>
-              <a:rPr lang="en-US" dirty="0" smtClean="0"/>
+              <a:rPr lang="en-US" dirty="0"/>
               <a:t> (usually information)</a:t>
             </a:r>
           </a:p>
           <a:p>
             <a:r>
-              <a:rPr lang="en-US" dirty="0" smtClean="0"/>
+              <a:rPr lang="en-US" dirty="0"/>
               <a:t>State enables objects to share information with objects that it doesn't know about.</a:t>
             </a:r>
           </a:p>
           <a:p>
             <a:r>
-              <a:rPr lang="en-US" dirty="0" smtClean="0"/>
+              <a:rPr lang="en-US" dirty="0"/>
               <a:t>State makes testing and reasoning about your program harder.</a:t>
             </a:r>
           </a:p>
           <a:p>
             <a:r>
-              <a:rPr lang="en-US" dirty="0" smtClean="0"/>
+              <a:rPr lang="en-US" dirty="0"/>
               <a:t>Use as little state as you can.  </a:t>
             </a:r>
           </a:p>
           <a:p>
             <a:r>
-              <a:rPr lang="en-US" dirty="0" smtClean="0"/>
+              <a:rPr lang="en-US" dirty="0"/>
               <a:t>Pass values whenever you can.</a:t>
             </a:r>
           </a:p>
           <a:p>
-            <a:endParaRPr lang="en-US" dirty="0" smtClean="0"/>
+            <a:endParaRPr lang="en-US" dirty="0"/>
           </a:p>
           <a:p>
             <a:endParaRPr lang="en-US" dirty="0"/>
@@ -7203,13 +6850,6 @@
   <p:clrMapOvr>
     <a:masterClrMapping/>
   </p:clrMapOvr>
-  <p:timing>
-    <p:tnLst>
-      <p:par>
-        <p:cTn id="1" dur="indefinite" restart="never" nodeType="tmRoot"/>
-      </p:par>
-    </p:tnLst>
-  </p:timing>
 </p:sld>
 </file>
 
@@ -7246,10 +6886,9 @@
           <a:lstStyle/>
           <a:p>
             <a:r>
-              <a:rPr lang="en-US" dirty="0" smtClean="0"/>
+              <a:rPr lang="en-US" dirty="0"/>
               <a:t>Next Steps</a:t>
             </a:r>
-            <a:endParaRPr lang="en-US" dirty="0"/>
           </a:p>
         </p:txBody>
       </p:sp>
@@ -7269,22 +6908,21 @@
           <a:lstStyle/>
           <a:p>
             <a:r>
-              <a:rPr lang="en-US" dirty="0" smtClean="0"/>
+              <a:rPr lang="en-US" dirty="0"/>
               <a:t>Study the tests in 10-5-push-model.rkt and 10-6-push-model-fixed.rkt</a:t>
             </a:r>
           </a:p>
           <a:p>
             <a:r>
-              <a:rPr lang="en-US" dirty="0" smtClean="0"/>
+              <a:rPr lang="en-US" dirty="0"/>
               <a:t>If you have questions about this lesson, ask them on the Discussion Board</a:t>
             </a:r>
           </a:p>
           <a:p>
             <a:r>
-              <a:rPr lang="en-US" dirty="0" smtClean="0"/>
+              <a:rPr lang="en-US" dirty="0"/>
               <a:t>Go on to the next lesson</a:t>
             </a:r>
-            <a:endParaRPr lang="en-US" dirty="0"/>
           </a:p>
         </p:txBody>
       </p:sp>
@@ -7321,13 +6959,6 @@
   <p:clrMapOvr>
     <a:masterClrMapping/>
   </p:clrMapOvr>
-  <p:timing>
-    <p:tnLst>
-      <p:par>
-        <p:cTn id="1" dur="indefinite" restart="never" nodeType="tmRoot"/>
-      </p:par>
-    </p:tnLst>
-  </p:timing>
 </p:sld>
 </file>
 
@@ -7364,10 +6995,9 @@
           <a:lstStyle/>
           <a:p>
             <a:r>
-              <a:rPr lang="en-US" dirty="0" smtClean="0"/>
-              <a:t>Key Points for Lesson 10.5</a:t>
-            </a:r>
-            <a:endParaRPr lang="en-US" dirty="0"/>
+              <a:rPr lang="en-US" dirty="0"/>
+              <a:t>Key Points for Lesson 10.7</a:t>
+            </a:r>
           </a:p>
         </p:txBody>
       </p:sp>
@@ -7387,27 +7017,27 @@
           <a:lstStyle/>
           <a:p>
             <a:r>
-              <a:rPr lang="en-US" dirty="0" smtClean="0"/>
+              <a:rPr lang="en-US" dirty="0"/>
               <a:t>State makes testing harder.</a:t>
             </a:r>
           </a:p>
           <a:p>
             <a:r>
-              <a:rPr lang="en-US" dirty="0" smtClean="0"/>
+              <a:rPr lang="en-US" dirty="0"/>
               <a:t>To test a </a:t>
             </a:r>
             <a:r>
-              <a:rPr lang="en-US" dirty="0" err="1" smtClean="0"/>
+              <a:rPr lang="en-US" dirty="0" err="1"/>
               <a:t>stateful</a:t>
             </a:r>
             <a:r>
-              <a:rPr lang="en-US" dirty="0" smtClean="0"/>
+              <a:rPr lang="en-US" dirty="0"/>
               <a:t> system, create scenarios that create objects, send them sequences of messages, and then check the observable outputs.</a:t>
             </a:r>
           </a:p>
           <a:p>
             <a:r>
-              <a:rPr lang="en-US" dirty="0" smtClean="0"/>
+              <a:rPr lang="en-US" dirty="0"/>
               <a:t>Good OO designs use as little state as possible.</a:t>
             </a:r>
           </a:p>
@@ -7485,10 +7115,9 @@
           <a:lstStyle/>
           <a:p>
             <a:r>
-              <a:rPr lang="en-US" dirty="0" smtClean="0"/>
+              <a:rPr lang="en-US" dirty="0"/>
               <a:t>State makes testing harder</a:t>
             </a:r>
-            <a:endParaRPr lang="en-US" dirty="0"/>
           </a:p>
         </p:txBody>
       </p:sp>
@@ -7510,33 +7139,32 @@
           <a:lstStyle/>
           <a:p>
             <a:r>
-              <a:rPr lang="en-US" dirty="0" smtClean="0"/>
+              <a:rPr lang="en-US" dirty="0"/>
               <a:t>You have to get things into the state you want</a:t>
             </a:r>
           </a:p>
           <a:p>
             <a:r>
-              <a:rPr lang="en-US" dirty="0" smtClean="0"/>
+              <a:rPr lang="en-US" dirty="0"/>
               <a:t>Then observe the relevant portions of the final state (at just the right time!)</a:t>
             </a:r>
           </a:p>
           <a:p>
             <a:r>
-              <a:rPr lang="en-US" dirty="0" smtClean="0"/>
+              <a:rPr lang="en-US" dirty="0"/>
               <a:t>May want to test a sequence of states</a:t>
             </a:r>
           </a:p>
           <a:p>
             <a:r>
-              <a:rPr lang="en-US" dirty="0" smtClean="0"/>
+              <a:rPr lang="en-US" dirty="0"/>
               <a:t>In real world, may have to do tear-down to prepare for next test. </a:t>
             </a:r>
-            <a:endParaRPr lang="en-US" dirty="0"/>
           </a:p>
           <a:p>
             <a:pPr lvl="1"/>
             <a:r>
-              <a:rPr lang="en-US" dirty="0" smtClean="0"/>
+              <a:rPr lang="en-US" dirty="0"/>
               <a:t>Living in a mostly-functional world makes this unnecessary for us.</a:t>
             </a:r>
           </a:p>
@@ -7575,13 +7203,6 @@
   <p:clrMapOvr>
     <a:masterClrMapping/>
   </p:clrMapOvr>
-  <p:timing>
-    <p:tnLst>
-      <p:par>
-        <p:cTn id="1" dur="indefinite" restart="never" nodeType="tmRoot"/>
-      </p:par>
-    </p:tnLst>
-  </p:timing>
 </p:sld>
 </file>
 
@@ -7618,10 +7239,9 @@
           <a:lstStyle/>
           <a:p>
             <a:r>
-              <a:rPr lang="en-US" dirty="0" smtClean="0"/>
+              <a:rPr lang="en-US" dirty="0"/>
               <a:t>Setting up a test scenario</a:t>
             </a:r>
-            <a:endParaRPr lang="en-US" dirty="0"/>
           </a:p>
         </p:txBody>
       </p:sp>
@@ -7646,7 +7266,7 @@
               <a:buNone/>
             </a:pPr>
             <a:r>
-              <a:rPr lang="en-US" sz="2000" b="1" dirty="0" smtClean="0">
+              <a:rPr lang="en-US" sz="2000" b="1" dirty="0">
                 <a:latin typeface="Consolas" pitchFamily="49" charset="0"/>
                 <a:cs typeface="Consolas" pitchFamily="49" charset="0"/>
               </a:rPr>
@@ -7658,7 +7278,7 @@
               <a:buNone/>
             </a:pPr>
             <a:r>
-              <a:rPr lang="en-US" sz="2000" b="1" i="1" dirty="0" smtClean="0">
+              <a:rPr lang="en-US" sz="2000" b="1" i="1" dirty="0">
                 <a:solidFill>
                   <a:schemeClr val="accent6">
                     <a:lumMod val="75000"/>
@@ -7675,7 +7295,7 @@
               <a:buNone/>
             </a:pPr>
             <a:r>
-              <a:rPr lang="en-US" sz="2000" b="1" i="1" dirty="0" smtClean="0">
+              <a:rPr lang="en-US" sz="2000" b="1" i="1" dirty="0">
                 <a:solidFill>
                   <a:schemeClr val="accent6">
                     <a:lumMod val="75000"/>
@@ -7692,7 +7312,7 @@
               <a:buNone/>
             </a:pPr>
             <a:r>
-              <a:rPr lang="en-US" sz="2000" b="1" dirty="0" smtClean="0">
+              <a:rPr lang="en-US" sz="2000" b="1" dirty="0">
                 <a:latin typeface="Consolas" pitchFamily="49" charset="0"/>
                 <a:cs typeface="Consolas" pitchFamily="49" charset="0"/>
               </a:rPr>
@@ -7704,14 +7324,14 @@
               <a:buNone/>
             </a:pPr>
             <a:r>
-              <a:rPr lang="en-US" sz="2000" b="1" dirty="0" smtClean="0">
+              <a:rPr lang="en-US" sz="2000" b="1" dirty="0">
                 <a:latin typeface="Consolas" pitchFamily="49" charset="0"/>
                 <a:cs typeface="Consolas" pitchFamily="49" charset="0"/>
               </a:rPr>
               <a:t> </a:t>
             </a:r>
             <a:r>
-              <a:rPr lang="en-US" sz="2000" b="1" i="1" dirty="0" smtClean="0">
+              <a:rPr lang="en-US" sz="2000" b="1" i="1" dirty="0">
                 <a:solidFill>
                   <a:schemeClr val="accent6">
                     <a:lumMod val="75000"/>
@@ -7728,7 +7348,7 @@
               <a:buNone/>
             </a:pPr>
             <a:r>
-              <a:rPr lang="en-US" sz="2000" b="1" i="1" dirty="0" smtClean="0">
+              <a:rPr lang="en-US" sz="2000" b="1" i="1" dirty="0">
                 <a:solidFill>
                   <a:schemeClr val="accent6">
                     <a:lumMod val="75000"/>
@@ -7745,7 +7365,7 @@
               <a:buNone/>
             </a:pPr>
             <a:r>
-              <a:rPr lang="en-US" sz="2000" b="1" i="1" dirty="0" smtClean="0">
+              <a:rPr lang="en-US" sz="2000" b="1" i="1" dirty="0">
                 <a:solidFill>
                   <a:schemeClr val="accent6">
                     <a:lumMod val="75000"/>
@@ -7757,7 +7377,7 @@
               <a:t> </a:t>
             </a:r>
             <a:r>
-              <a:rPr lang="en-US" sz="2000" b="1" dirty="0" smtClean="0">
+              <a:rPr lang="en-US" sz="2000" b="1" dirty="0">
                 <a:latin typeface="Consolas" pitchFamily="49" charset="0"/>
                 <a:cs typeface="Consolas" pitchFamily="49" charset="0"/>
               </a:rPr>
@@ -7768,7 +7388,7 @@
             <a:pPr>
               <a:buNone/>
             </a:pPr>
-            <a:endParaRPr lang="en-US" sz="2000" b="1" dirty="0" smtClean="0">
+            <a:endParaRPr lang="en-US" sz="2000" b="1" dirty="0">
               <a:latin typeface="Consolas" pitchFamily="49" charset="0"/>
               <a:cs typeface="Consolas" pitchFamily="49" charset="0"/>
             </a:endParaRPr>
@@ -7777,7 +7397,7 @@
             <a:pPr>
               <a:buNone/>
             </a:pPr>
-            <a:endParaRPr lang="en-US" sz="2000" b="1" dirty="0" smtClean="0">
+            <a:endParaRPr lang="en-US" sz="2000" b="1" dirty="0">
               <a:latin typeface="Consolas" pitchFamily="49" charset="0"/>
               <a:cs typeface="Consolas" pitchFamily="49" charset="0"/>
             </a:endParaRPr>
@@ -7835,10 +7455,9 @@
           <a:lstStyle/>
           <a:p>
             <a:r>
-              <a:rPr lang="en-US" dirty="0" smtClean="0"/>
+              <a:rPr lang="en-US" dirty="0"/>
               <a:t>Use getter methods if necessary</a:t>
             </a:r>
-            <a:endParaRPr lang="en-US" dirty="0"/>
           </a:p>
         </p:txBody>
       </p:sp>
@@ -7970,41 +7589,27 @@
               <a:t> and </a:t>
             </a:r>
             <a:r>
-              <a:rPr lang="en-US" b="1" dirty="0" smtClean="0"/>
+              <a:rPr lang="en-US" b="1" dirty="0"/>
               <a:t>“</a:t>
             </a:r>
             <a:r>
-              <a:rPr lang="en-US" b="1" dirty="0" err="1" smtClean="0"/>
+              <a:rPr lang="en-US" b="1" dirty="0" err="1"/>
               <a:t>extras.rkt</a:t>
             </a:r>
             <a:r>
-              <a:rPr lang="en-US" b="1" dirty="0" smtClean="0"/>
+              <a:rPr lang="en-US" b="1" dirty="0"/>
               <a:t>”</a:t>
             </a:r>
             <a:r>
-              <a:rPr lang="en-US" dirty="0" smtClean="0"/>
+              <a:rPr lang="en-US" dirty="0"/>
               <a:t> .</a:t>
             </a:r>
-            <a:endParaRPr lang="en-US" dirty="0"/>
-          </a:p>
-          <a:p>
-            <a:r>
-              <a:rPr lang="en-US" dirty="0"/>
-              <a:t>We can use </a:t>
-            </a:r>
-            <a:r>
-              <a:rPr lang="en-US" dirty="0" smtClean="0"/>
-              <a:t>getter </a:t>
-            </a:r>
-            <a:r>
-              <a:rPr lang="en-US" dirty="0"/>
-              <a:t>methods to pull out the relevant properties of the objects</a:t>
-            </a:r>
-            <a:r>
-              <a:rPr lang="en-US" dirty="0" smtClean="0"/>
-              <a:t>.  Remember that these should only be used for testing.  Using getter methods on non-observables as part of your computation is considered bad OO design and should be avoided (see Lesson 10.1)</a:t>
-            </a:r>
-            <a:endParaRPr lang="en-US" dirty="0"/>
+          </a:p>
+          <a:p>
+            <a:r>
+              <a:rPr lang="en-US" dirty="0"/>
+              <a:t>We can use getter methods to pull out the relevant properties of the objects.  Remember that these should only be used for testing.  Using getter methods on non-observables as part of your computation is considered bad OO design and should be avoided (see Lesson 10.1)</a:t>
+            </a:r>
           </a:p>
         </p:txBody>
       </p:sp>
@@ -8018,13 +7623,6 @@
   <p:clrMapOvr>
     <a:masterClrMapping/>
   </p:clrMapOvr>
-  <p:timing>
-    <p:tnLst>
-      <p:par>
-        <p:cTn id="1" dur="indefinite" restart="never" nodeType="tmRoot"/>
-      </p:par>
-    </p:tnLst>
-  </p:timing>
 </p:sld>
 </file>
 
@@ -8061,10 +7659,9 @@
           <a:lstStyle/>
           <a:p>
             <a:r>
-              <a:rPr lang="en-US" dirty="0" smtClean="0"/>
+              <a:rPr lang="en-US" dirty="0"/>
               <a:t>A  Simple Test Case</a:t>
             </a:r>
-            <a:endParaRPr lang="en-US" dirty="0"/>
           </a:p>
         </p:txBody>
       </p:sp>
@@ -8319,10 +7916,9 @@
           <a:lstStyle/>
           <a:p>
             <a:r>
-              <a:rPr lang="en-US" dirty="0" smtClean="0"/>
+              <a:rPr lang="en-US" dirty="0"/>
               <a:t>Another simple test case</a:t>
             </a:r>
-            <a:endParaRPr lang="en-US" dirty="0"/>
           </a:p>
         </p:txBody>
       </p:sp>
@@ -8571,10 +8167,9 @@
           <a:lstStyle/>
           <a:p>
             <a:r>
-              <a:rPr lang="en-US" dirty="0" smtClean="0"/>
+              <a:rPr lang="en-US" dirty="0"/>
               <a:t>Let's apply this technique to find our bug</a:t>
             </a:r>
-            <a:endParaRPr lang="en-US" dirty="0"/>
           </a:p>
         </p:txBody>
       </p:sp>
@@ -8790,18 +8385,13 @@
           <a:p>
             <a:pPr algn="ctr"/>
             <a:r>
-              <a:rPr lang="en-US" dirty="0" smtClean="0">
+              <a:rPr lang="en-US" dirty="0">
                 <a:solidFill>
                   <a:schemeClr val="tx1"/>
                 </a:solidFill>
               </a:rPr>
               <a:t>This is pretty much how we really did it.</a:t>
             </a:r>
-            <a:endParaRPr lang="en-US" dirty="0">
-              <a:solidFill>
-                <a:schemeClr val="tx1"/>
-              </a:solidFill>
-            </a:endParaRPr>
           </a:p>
         </p:txBody>
       </p:sp>
@@ -8852,18 +8442,13 @@
           <a:p>
             <a:pPr algn="ctr"/>
             <a:r>
-              <a:rPr lang="en-US" dirty="0" smtClean="0">
+              <a:rPr lang="en-US" dirty="0">
                 <a:solidFill>
                   <a:schemeClr val="tx1"/>
                 </a:solidFill>
               </a:rPr>
               <a:t>Well, that worked.</a:t>
             </a:r>
-            <a:endParaRPr lang="en-US" dirty="0">
-              <a:solidFill>
-                <a:schemeClr val="tx1"/>
-              </a:solidFill>
-            </a:endParaRPr>
           </a:p>
         </p:txBody>
       </p:sp>
@@ -8915,10 +8500,9 @@
           <a:lstStyle/>
           <a:p>
             <a:r>
-              <a:rPr lang="en-US" dirty="0" smtClean="0"/>
+              <a:rPr lang="en-US" dirty="0"/>
               <a:t>We tried different starting positions</a:t>
             </a:r>
-            <a:endParaRPr lang="en-US" dirty="0"/>
           </a:p>
         </p:txBody>
       </p:sp>
@@ -9006,12 +8590,8 @@
           </a:p>
           <a:p>
             <a:r>
-              <a:rPr lang="en-US" dirty="0" smtClean="0"/>
-              <a:t>    </a:t>
-            </a:r>
-            <a:r>
-              <a:rPr lang="en-US" dirty="0"/>
-              <a:t>(send ball1 after-tick)</a:t>
+              <a:rPr lang="en-US" dirty="0"/>
+              <a:t>    (send ball1 after-tick)</a:t>
             </a:r>
           </a:p>
           <a:p>
@@ -9141,18 +8721,13 @@
           <a:lstStyle/>
           <a:p>
             <a:r>
-              <a:rPr lang="en-US" dirty="0" smtClean="0">
+              <a:rPr lang="en-US" dirty="0">
                 <a:solidFill>
                   <a:schemeClr val="tx1"/>
                 </a:solidFill>
               </a:rPr>
               <a:t>We observed the behavior of the system to generate a hypothesis about what starting position might fail.  Here's the first position where we got a failure: the last test failed with a -50– the ball bounced at x=160, not x=180 as it should have.</a:t>
             </a:r>
-            <a:endParaRPr lang="en-US" dirty="0">
-              <a:solidFill>
-                <a:schemeClr val="tx1"/>
-              </a:solidFill>
-            </a:endParaRPr>
           </a:p>
         </p:txBody>
       </p:sp>
@@ -9202,10 +8777,9 @@
           <a:lstStyle/>
           <a:p>
             <a:r>
-              <a:rPr lang="en-US" dirty="0" smtClean="0"/>
+              <a:rPr lang="en-US" dirty="0"/>
               <a:t>Let's collect more information</a:t>
             </a:r>
-            <a:endParaRPr lang="en-US" dirty="0"/>
           </a:p>
         </p:txBody>
       </p:sp>
@@ -9225,32 +8799,31 @@
           <a:lstStyle/>
           <a:p>
             <a:r>
-              <a:rPr lang="en-US" dirty="0" smtClean="0"/>
+              <a:rPr lang="en-US" dirty="0"/>
               <a:t>Hmm, the position is right, but the speed is wrong.  Our formula for speed looks right, but let's check it.</a:t>
             </a:r>
           </a:p>
           <a:p>
             <a:r>
-              <a:rPr lang="en-US" dirty="0" smtClean="0"/>
+              <a:rPr lang="en-US" dirty="0"/>
               <a:t>We'll add some test methods that just call </a:t>
             </a:r>
             <a:r>
-              <a:rPr lang="en-US" b="1" dirty="0" smtClean="0"/>
+              <a:rPr lang="en-US" b="1" dirty="0"/>
               <a:t>next-x</a:t>
             </a:r>
             <a:r>
-              <a:rPr lang="en-US" dirty="0" smtClean="0"/>
+              <a:rPr lang="en-US" dirty="0"/>
               <a:t> and </a:t>
             </a:r>
             <a:r>
-              <a:rPr lang="en-US" b="1" dirty="0" smtClean="0"/>
+              <a:rPr lang="en-US" b="1" dirty="0"/>
               <a:t>next-speed</a:t>
             </a:r>
             <a:r>
-              <a:rPr lang="en-US" dirty="0" smtClean="0"/>
+              <a:rPr lang="en-US" dirty="0"/>
               <a:t>. (Look at 10-5-push-model.rkt for details)</a:t>
             </a:r>
-            <a:endParaRPr lang="en-US" dirty="0"/>
           </a:p>
         </p:txBody>
       </p:sp>

--- a/Slides/Lesson 10.7 Testing Mutable Objects.pptx
+++ b/Slides/Lesson 10.7 Testing Mutable Objects.pptx
@@ -228,7 +228,7 @@
           <a:p>
             <a:fld id="{2895C0B8-68D2-43DA-B5E4-F9F86B879448}" type="datetimeFigureOut">
               <a:rPr lang="en-US" smtClean="0"/>
-              <a:t>11/4/2016</a:t>
+              <a:t>11/9/2016</a:t>
             </a:fld>
             <a:endParaRPr lang="en-US"/>
           </a:p>
@@ -1010,7 +1010,7 @@
           <a:p>
             <a:fld id="{2F1F79F5-7BEC-496A-AFC7-876E38F64D71}" type="datetime1">
               <a:rPr lang="en-US" smtClean="0"/>
-              <a:t>11/4/2016</a:t>
+              <a:t>11/9/2016</a:t>
             </a:fld>
             <a:endParaRPr lang="en-US"/>
           </a:p>
@@ -1127,7 +1127,7 @@
           <a:p>
             <a:fld id="{2F7B77F5-1464-4F6B-92A8-64FC8A508293}" type="datetime1">
               <a:rPr lang="en-US" smtClean="0"/>
-              <a:t>11/4/2016</a:t>
+              <a:t>11/9/2016</a:t>
             </a:fld>
             <a:endParaRPr lang="en-US"/>
           </a:p>
@@ -1222,7 +1222,7 @@
           <a:p>
             <a:fld id="{0A05703A-7669-4FEA-9056-25299B4D29D4}" type="datetime1">
               <a:rPr lang="en-US" smtClean="0"/>
-              <a:t>11/4/2016</a:t>
+              <a:t>11/9/2016</a:t>
             </a:fld>
             <a:endParaRPr lang="en-US"/>
           </a:p>
@@ -1497,7 +1497,7 @@
           <a:p>
             <a:fld id="{6E5077B5-BB57-49DB-88CA-226A139E5C01}" type="datetime1">
               <a:rPr lang="en-US" smtClean="0"/>
-              <a:t>11/4/2016</a:t>
+              <a:t>11/9/2016</a:t>
             </a:fld>
             <a:endParaRPr lang="en-US"/>
           </a:p>
@@ -1749,7 +1749,7 @@
           <a:p>
             <a:fld id="{C48D9447-CBD6-49A1-89FD-8512A8CF8999}" type="datetime1">
               <a:rPr lang="en-US" smtClean="0"/>
-              <a:t>11/4/2016</a:t>
+              <a:t>11/9/2016</a:t>
             </a:fld>
             <a:endParaRPr lang="en-US"/>
           </a:p>
@@ -1917,7 +1917,7 @@
           <a:p>
             <a:fld id="{A3639A2A-823D-48B7-9ACE-7FAF42870BA9}" type="datetime1">
               <a:rPr lang="en-US" smtClean="0"/>
-              <a:t>11/4/2016</a:t>
+              <a:t>11/9/2016</a:t>
             </a:fld>
             <a:endParaRPr lang="en-US"/>
           </a:p>
@@ -2095,7 +2095,7 @@
           <a:p>
             <a:fld id="{ED1B6996-82E9-463C-972C-7B56056E426C}" type="datetime1">
               <a:rPr lang="en-US" smtClean="0"/>
-              <a:t>11/4/2016</a:t>
+              <a:t>11/9/2016</a:t>
             </a:fld>
             <a:endParaRPr lang="en-US"/>
           </a:p>
@@ -2269,7 +2269,7 @@
           <a:p>
             <a:fld id="{E22ED4DA-448D-4BB1-B935-CC112220207B}" type="datetime1">
               <a:rPr lang="en-US" smtClean="0"/>
-              <a:t>11/4/2016</a:t>
+              <a:t>11/9/2016</a:t>
             </a:fld>
             <a:endParaRPr lang="en-US"/>
           </a:p>
@@ -2442,7 +2442,7 @@
           <a:p>
             <a:fld id="{E22ED4DA-448D-4BB1-B935-CC112220207B}" type="datetime1">
               <a:rPr lang="en-US" smtClean="0"/>
-              <a:t>11/4/2016</a:t>
+              <a:t>11/9/2016</a:t>
             </a:fld>
             <a:endParaRPr lang="en-US"/>
           </a:p>
@@ -2702,7 +2702,7 @@
           <a:p>
             <a:fld id="{FF5D65A6-AB94-4435-B0B7-3743215FA46C}" type="datetime1">
               <a:rPr lang="en-US" smtClean="0"/>
-              <a:t>11/4/2016</a:t>
+              <a:t>11/9/2016</a:t>
             </a:fld>
             <a:endParaRPr lang="en-US"/>
           </a:p>
@@ -2995,7 +2995,7 @@
           <a:p>
             <a:fld id="{5D1846AD-9252-4647-9435-4C2AC365653A}" type="datetime1">
               <a:rPr lang="en-US" smtClean="0"/>
-              <a:t>11/4/2016</a:t>
+              <a:t>11/9/2016</a:t>
             </a:fld>
             <a:endParaRPr lang="en-US"/>
           </a:p>
@@ -3171,7 +3171,7 @@
           <a:p>
             <a:fld id="{FF5D65A6-AB94-4435-B0B7-3743215FA46C}" type="datetime1">
               <a:rPr lang="en-US" smtClean="0"/>
-              <a:t>11/4/2016</a:t>
+              <a:t>11/9/2016</a:t>
             </a:fld>
             <a:endParaRPr lang="en-US"/>
           </a:p>
@@ -3465,7 +3465,7 @@
           <a:p>
             <a:fld id="{7C193DC4-6EF0-48C9-B29C-616106A645E1}" type="datetime1">
               <a:rPr lang="en-US" smtClean="0"/>
-              <a:t>11/4/2016</a:t>
+              <a:t>11/9/2016</a:t>
             </a:fld>
             <a:endParaRPr lang="en-US"/>
           </a:p>
@@ -3750,7 +3750,7 @@
           <a:p>
             <a:fld id="{5D1846AD-9252-4647-9435-4C2AC365653A}" type="datetime1">
               <a:rPr lang="en-US" smtClean="0"/>
-              <a:t>11/4/2016</a:t>
+              <a:t>11/9/2016</a:t>
             </a:fld>
             <a:endParaRPr lang="en-US"/>
           </a:p>
@@ -4169,7 +4169,7 @@
           <a:p>
             <a:fld id="{CE56DC10-3561-4063-A6AF-C1CC7A41040A}" type="datetime1">
               <a:rPr lang="en-US" smtClean="0"/>
-              <a:t>11/4/2016</a:t>
+              <a:t>11/9/2016</a:t>
             </a:fld>
             <a:endParaRPr lang="en-US"/>
           </a:p>
@@ -4392,7 +4392,7 @@
           <a:p>
             <a:fld id="{02B3F677-983B-48DB-ADFD-63FE6CBC7FB2}" type="datetime1">
               <a:rPr lang="en-US" smtClean="0"/>
-              <a:t>11/4/2016</a:t>
+              <a:t>11/9/2016</a:t>
             </a:fld>
             <a:endParaRPr lang="en-US"/>
           </a:p>
@@ -5065,7 +5065,15 @@
           <a:p>
             <a:r>
               <a:rPr lang="en-US" dirty="0"/>
-              <a:t>    ((define wall1 (new Wall% [</a:t>
+              <a:t>    ((define wall1 (new </a:t>
+            </a:r>
+            <a:r>
+              <a:rPr lang="en-US" dirty="0" err="1"/>
+              <a:t>SWall</a:t>
+            </a:r>
+            <a:r>
+              <a:rPr lang="en-US" dirty="0"/>
+              <a:t>% [</a:t>
             </a:r>
             <a:r>
               <a:rPr lang="en-US" dirty="0" err="1"/>
@@ -5079,7 +5087,15 @@
           <a:p>
             <a:r>
               <a:rPr lang="en-US" dirty="0"/>
-              <a:t>     (define ball1 (new Ball% [x 110][speed 50][w wall1])))</a:t>
+              <a:t>     (define ball1 (new </a:t>
+            </a:r>
+            <a:r>
+              <a:rPr lang="en-US" dirty="0" err="1"/>
+              <a:t>SBall</a:t>
+            </a:r>
+            <a:r>
+              <a:rPr lang="en-US" dirty="0"/>
+              <a:t>% [x 110][speed 50][w wall1])))</a:t>
             </a:r>
           </a:p>
           <a:p>
@@ -5239,18 +5255,20 @@
         <p:spPr>
           <a:xfrm>
             <a:off x="6858000" y="3581400"/>
-            <a:ext cx="1447800" cy="533400"/>
+            <a:ext cx="1295400" cy="762000"/>
           </a:xfrm>
           <a:prstGeom prst="rect">
             <a:avLst/>
           </a:prstGeom>
           <a:solidFill>
-            <a:schemeClr val="accent3">
-              <a:lumMod val="40000"/>
-              <a:lumOff val="60000"/>
+            <a:schemeClr val="accent1">
+              <a:lumMod val="20000"/>
+              <a:lumOff val="80000"/>
             </a:schemeClr>
           </a:solidFill>
-          <a:ln/>
+          <a:ln>
+            <a:noFill/>
+          </a:ln>
         </p:spPr>
         <p:style>
           <a:lnRef idx="2">
@@ -5282,7 +5300,7 @@
                   <a:schemeClr val="tx1"/>
                 </a:solidFill>
               </a:rPr>
-              <a:t>This test passed!</a:t>
+              <a:t>This test passed.</a:t>
             </a:r>
           </a:p>
         </p:txBody>
@@ -5298,7 +5316,101 @@
         <p:spPr>
           <a:xfrm flipH="1" flipV="1">
             <a:off x="6286500" y="3810000"/>
-            <a:ext cx="571500" cy="38100"/>
+            <a:ext cx="571500" cy="152400"/>
+          </a:xfrm>
+          <a:prstGeom prst="straightConnector1">
+            <a:avLst/>
+          </a:prstGeom>
+          <a:ln>
+            <a:tailEnd type="triangle"/>
+          </a:ln>
+        </p:spPr>
+        <p:style>
+          <a:lnRef idx="1">
+            <a:schemeClr val="accent1"/>
+          </a:lnRef>
+          <a:fillRef idx="0">
+            <a:schemeClr val="accent1"/>
+          </a:fillRef>
+          <a:effectRef idx="0">
+            <a:schemeClr val="accent1"/>
+          </a:effectRef>
+          <a:fontRef idx="minor">
+            <a:schemeClr val="tx1"/>
+          </a:fontRef>
+        </p:style>
+      </p:cxnSp>
+      <p:sp>
+        <p:nvSpPr>
+          <p:cNvPr id="10" name="Rectangle 9"/>
+          <p:cNvSpPr/>
+          <p:nvPr/>
+        </p:nvSpPr>
+        <p:spPr>
+          <a:xfrm>
+            <a:off x="6286500" y="4853781"/>
+            <a:ext cx="1295400" cy="762000"/>
+          </a:xfrm>
+          <a:prstGeom prst="rect">
+            <a:avLst/>
+          </a:prstGeom>
+          <a:solidFill>
+            <a:schemeClr val="accent1">
+              <a:lumMod val="20000"/>
+              <a:lumOff val="80000"/>
+            </a:schemeClr>
+          </a:solidFill>
+          <a:ln>
+            <a:noFill/>
+          </a:ln>
+        </p:spPr>
+        <p:style>
+          <a:lnRef idx="2">
+            <a:schemeClr val="accent1"/>
+          </a:lnRef>
+          <a:fillRef idx="1">
+            <a:schemeClr val="lt1"/>
+          </a:fillRef>
+          <a:effectRef idx="0">
+            <a:schemeClr val="accent1"/>
+          </a:effectRef>
+          <a:fontRef idx="minor">
+            <a:schemeClr val="dk1"/>
+          </a:fontRef>
+        </p:style>
+        <p:txBody>
+          <a:bodyPr rot="0" spcFirstLastPara="0" vertOverflow="overflow" horzOverflow="overflow" vert="horz" wrap="square" lIns="91440" tIns="45720" rIns="91440" bIns="45720" numCol="1" spcCol="0" rtlCol="0" fromWordArt="0" anchor="ctr" anchorCtr="0" forceAA="0" compatLnSpc="1">
+            <a:prstTxWarp prst="textNoShape">
+              <a:avLst/>
+            </a:prstTxWarp>
+            <a:noAutofit/>
+          </a:bodyPr>
+          <a:lstStyle/>
+          <a:p>
+            <a:pPr algn="ctr"/>
+            <a:r>
+              <a:rPr lang="en-US" dirty="0">
+                <a:solidFill>
+                  <a:schemeClr val="tx1"/>
+                </a:solidFill>
+              </a:rPr>
+              <a:t>But this one failed!</a:t>
+            </a:r>
+          </a:p>
+        </p:txBody>
+      </p:sp>
+      <p:cxnSp>
+        <p:nvCxnSpPr>
+          <p:cNvPr id="12" name="Straight Arrow Connector 11"/>
+          <p:cNvCxnSpPr>
+            <a:stCxn id="10" idx="1"/>
+          </p:cNvCxnSpPr>
+          <p:nvPr/>
+        </p:nvCxnSpPr>
+        <p:spPr>
+          <a:xfrm flipH="1" flipV="1">
+            <a:off x="5791200" y="5029200"/>
+            <a:ext cx="495300" cy="205581"/>
           </a:xfrm>
           <a:prstGeom prst="straightConnector1">
             <a:avLst/>
@@ -5408,7 +5520,7 @@
             </a:pPr>
             <a:r>
               <a:rPr lang="en-US" dirty="0"/>
-              <a:t> </a:t>
+              <a:t>       </a:t>
             </a:r>
             <a:r>
               <a:rPr lang="en-US" sz="1900" b="1" dirty="0">
@@ -5948,7 +6060,7 @@
           <a:p>
             <a:r>
               <a:rPr lang="en-US" dirty="0"/>
-              <a:t> </a:t>
+              <a:t>   </a:t>
             </a:r>
             <a:r>
               <a:rPr lang="en-US" sz="2200" dirty="0"/>
@@ -6045,12 +6157,14 @@
             <a:avLst/>
           </a:prstGeom>
           <a:solidFill>
-            <a:schemeClr val="accent3">
-              <a:lumMod val="40000"/>
-              <a:lumOff val="60000"/>
+            <a:schemeClr val="accent1">
+              <a:lumMod val="20000"/>
+              <a:lumOff val="80000"/>
             </a:schemeClr>
           </a:solidFill>
-          <a:ln/>
+          <a:ln>
+            <a:noFill/>
+          </a:ln>
         </p:spPr>
         <p:style>
           <a:lnRef idx="2">
@@ -6199,19 +6313,21 @@
         </p:nvSpPr>
         <p:spPr>
           <a:xfrm>
-            <a:off x="446468" y="5279232"/>
+            <a:off x="1524000" y="5484813"/>
             <a:ext cx="4114800" cy="641350"/>
           </a:xfrm>
           <a:prstGeom prst="rect">
             <a:avLst/>
           </a:prstGeom>
           <a:solidFill>
-            <a:schemeClr val="accent3">
-              <a:lumMod val="40000"/>
-              <a:lumOff val="60000"/>
+            <a:schemeClr val="accent1">
+              <a:lumMod val="20000"/>
+              <a:lumOff val="80000"/>
             </a:schemeClr>
           </a:solidFill>
-          <a:ln/>
+          <a:ln>
+            <a:noFill/>
+          </a:ln>
         </p:spPr>
         <p:style>
           <a:lnRef idx="2">
@@ -6243,7 +6359,7 @@
                   <a:schemeClr val="tx1"/>
                 </a:solidFill>
               </a:rPr>
-              <a:t>See 10-6-push-model-fixed.rkt</a:t>
+              <a:t>See 10-7-push-model-fixed.rkt</a:t>
             </a:r>
           </a:p>
         </p:txBody>
@@ -6594,15 +6710,7 @@
             </a:pPr>
             <a:r>
               <a:rPr lang="en-US" dirty="0"/>
-              <a:t>               -- </a:t>
-            </a:r>
-            <a:r>
-              <a:rPr lang="en-US"/>
-              <a:t>Joshua Bloch, </a:t>
-            </a:r>
-            <a:r>
-              <a:rPr lang="en-US" dirty="0"/>
-              <a:t>Chief Java Architect, Google; author,             	</a:t>
+              <a:t>               -- Joshua Bloch, Chief Java Architect, Google; author,             	</a:t>
             </a:r>
             <a:r>
               <a:rPr lang="en-US" i="1" dirty="0"/>
@@ -6650,12 +6758,14 @@
             <a:avLst/>
           </a:prstGeom>
           <a:solidFill>
-            <a:schemeClr val="accent3">
-              <a:lumMod val="40000"/>
-              <a:lumOff val="60000"/>
+            <a:schemeClr val="accent1">
+              <a:lumMod val="20000"/>
+              <a:lumOff val="80000"/>
             </a:schemeClr>
           </a:solidFill>
-          <a:ln/>
+          <a:ln>
+            <a:noFill/>
+          </a:ln>
         </p:spPr>
         <p:style>
           <a:lnRef idx="2">
@@ -6909,7 +7019,7 @@
           <a:p>
             <a:r>
               <a:rPr lang="en-US" dirty="0"/>
-              <a:t>Study the tests in 10-5-push-model.rkt and 10-6-push-model-fixed.rkt</a:t>
+              <a:t>Study the tests in 10-6-push-model.rkt and 10-7-push-model-fixed.rkt</a:t>
             </a:r>
           </a:p>
           <a:p>
@@ -7539,19 +7649,21 @@
         </p:nvSpPr>
         <p:spPr>
           <a:xfrm>
-            <a:off x="2717800" y="4432300"/>
+            <a:off x="2362200" y="3989884"/>
             <a:ext cx="6172200" cy="2122424"/>
           </a:xfrm>
           <a:prstGeom prst="rect">
             <a:avLst/>
           </a:prstGeom>
           <a:solidFill>
-            <a:schemeClr val="accent3">
-              <a:lumMod val="40000"/>
-              <a:lumOff val="60000"/>
+            <a:schemeClr val="accent1">
+              <a:lumMod val="20000"/>
+              <a:lumOff val="80000"/>
             </a:schemeClr>
           </a:solidFill>
-          <a:ln/>
+          <a:ln>
+            <a:noFill/>
+          </a:ln>
         </p:spPr>
         <p:style>
           <a:lnRef idx="2">
@@ -7688,7 +7800,13 @@
               </a:spcBef>
             </a:pPr>
             <a:r>
-              <a:rPr lang="en-US" sz="2000" dirty="0"/>
+              <a:rPr lang="en-US" sz="2000" dirty="0">
+                <a:solidFill>
+                  <a:schemeClr val="accent6">
+                    <a:lumMod val="75000"/>
+                  </a:schemeClr>
+                </a:solidFill>
+              </a:rPr>
               <a:t>;; select wall, then drag</a:t>
             </a:r>
           </a:p>
@@ -7722,7 +7840,17 @@
             </a:pPr>
             <a:r>
               <a:rPr lang="en-US" sz="2000" dirty="0"/>
-              <a:t>    ;; create a wall</a:t>
+              <a:t>    </a:t>
+            </a:r>
+            <a:r>
+              <a:rPr lang="en-US" sz="2000" dirty="0">
+                <a:solidFill>
+                  <a:schemeClr val="accent6">
+                    <a:lumMod val="75000"/>
+                  </a:schemeClr>
+                </a:solidFill>
+              </a:rPr>
+              <a:t>;; create a wall</a:t>
             </a:r>
           </a:p>
           <a:p>
@@ -7733,7 +7861,15 @@
             </a:pPr>
             <a:r>
               <a:rPr lang="en-US" sz="2000" dirty="0"/>
-              <a:t>    ((define wall1 (new Wall% [</a:t>
+              <a:t>    ((define wall1 (new </a:t>
+            </a:r>
+            <a:r>
+              <a:rPr lang="en-US" sz="2000" dirty="0" err="1"/>
+              <a:t>SWall</a:t>
+            </a:r>
+            <a:r>
+              <a:rPr lang="en-US" sz="2000" dirty="0"/>
+              <a:t>% [</a:t>
             </a:r>
             <a:r>
               <a:rPr lang="en-US" sz="2000" dirty="0" err="1"/>
@@ -7752,7 +7888,17 @@
             </a:pPr>
             <a:r>
               <a:rPr lang="en-US" sz="2000" dirty="0"/>
-              <a:t>    ;; check to see that it's in the right place</a:t>
+              <a:t>    </a:t>
+            </a:r>
+            <a:r>
+              <a:rPr lang="en-US" sz="2000" dirty="0">
+                <a:solidFill>
+                  <a:schemeClr val="accent6">
+                    <a:lumMod val="75000"/>
+                  </a:schemeClr>
+                </a:solidFill>
+              </a:rPr>
+              <a:t>;; check to see that it's in the right place</a:t>
             </a:r>
           </a:p>
           <a:p>
@@ -7782,7 +7928,17 @@
             </a:pPr>
             <a:r>
               <a:rPr lang="en-US" sz="2000" dirty="0"/>
-              <a:t>    ;; now select it, then drag it 40 pixels </a:t>
+              <a:t>    </a:t>
+            </a:r>
+            <a:r>
+              <a:rPr lang="en-US" sz="2000" dirty="0">
+                <a:solidFill>
+                  <a:schemeClr val="accent6">
+                    <a:lumMod val="75000"/>
+                  </a:schemeClr>
+                </a:solidFill>
+              </a:rPr>
+              <a:t>;; select it, then drag it 40 pixels </a:t>
             </a:r>
           </a:p>
           <a:p>
@@ -7815,7 +7971,17 @@
             </a:pPr>
             <a:r>
               <a:rPr lang="en-US" sz="2000" dirty="0"/>
-              <a:t>    ;; is the wall in the right place?</a:t>
+              <a:t>    </a:t>
+            </a:r>
+            <a:r>
+              <a:rPr lang="en-US" sz="2000" dirty="0">
+                <a:solidFill>
+                  <a:schemeClr val="accent6">
+                    <a:lumMod val="75000"/>
+                  </a:schemeClr>
+                </a:solidFill>
+              </a:rPr>
+              <a:t>;; is the wall in the right place?</a:t>
             </a:r>
           </a:p>
           <a:p>
@@ -7946,7 +8112,7 @@
             </a:pPr>
             <a:r>
               <a:rPr lang="en-US" sz="2000" dirty="0"/>
-              <a:t>;; don't select wall, then drag</a:t>
+              <a:t>;; don't select wall, then try to drag it</a:t>
             </a:r>
           </a:p>
           <a:p>
@@ -7979,7 +8145,17 @@
             </a:pPr>
             <a:r>
               <a:rPr lang="en-US" sz="2000" dirty="0"/>
-              <a:t>    ;; create a wall</a:t>
+              <a:t>    </a:t>
+            </a:r>
+            <a:r>
+              <a:rPr lang="en-US" sz="2000" dirty="0">
+                <a:solidFill>
+                  <a:schemeClr val="accent6">
+                    <a:lumMod val="75000"/>
+                  </a:schemeClr>
+                </a:solidFill>
+              </a:rPr>
+              <a:t>;; create a wall</a:t>
             </a:r>
           </a:p>
           <a:p>
@@ -7990,7 +8166,15 @@
             </a:pPr>
             <a:r>
               <a:rPr lang="en-US" sz="2000" dirty="0"/>
-              <a:t>    ((define wall1 (new Wall% [</a:t>
+              <a:t>    ((define wall1 (new </a:t>
+            </a:r>
+            <a:r>
+              <a:rPr lang="en-US" sz="2000" dirty="0" err="1"/>
+              <a:t>SWall</a:t>
+            </a:r>
+            <a:r>
+              <a:rPr lang="en-US" sz="2000" dirty="0"/>
+              <a:t>% [</a:t>
             </a:r>
             <a:r>
               <a:rPr lang="en-US" sz="2000" dirty="0" err="1"/>
@@ -8008,7 +8192,13 @@
               </a:spcBef>
             </a:pPr>
             <a:r>
-              <a:rPr lang="en-US" sz="2000" dirty="0"/>
+              <a:rPr lang="en-US" sz="2000" dirty="0">
+                <a:solidFill>
+                  <a:schemeClr val="accent6">
+                    <a:lumMod val="75000"/>
+                  </a:schemeClr>
+                </a:solidFill>
+              </a:rPr>
               <a:t>    ;; check to see that it's in the right place</a:t>
             </a:r>
           </a:p>
@@ -8039,7 +8229,17 @@
             </a:pPr>
             <a:r>
               <a:rPr lang="en-US" sz="2000" dirty="0"/>
-              <a:t>    ;; button-down, but not close enough</a:t>
+              <a:t>    </a:t>
+            </a:r>
+            <a:r>
+              <a:rPr lang="en-US" sz="2000" dirty="0">
+                <a:solidFill>
+                  <a:schemeClr val="accent6">
+                    <a:lumMod val="75000"/>
+                  </a:schemeClr>
+                </a:solidFill>
+              </a:rPr>
+              <a:t>;; button-down, but not close enough</a:t>
             </a:r>
           </a:p>
           <a:p>
@@ -8072,7 +8272,17 @@
             </a:pPr>
             <a:r>
               <a:rPr lang="en-US" sz="2000" dirty="0"/>
-              <a:t>    ;; wall shouldn't move</a:t>
+              <a:t>    </a:t>
+            </a:r>
+            <a:r>
+              <a:rPr lang="en-US" sz="2000" dirty="0">
+                <a:solidFill>
+                  <a:schemeClr val="accent6">
+                    <a:lumMod val="75000"/>
+                  </a:schemeClr>
+                </a:solidFill>
+              </a:rPr>
+              <a:t>;; wall shouldn't move</a:t>
             </a:r>
           </a:p>
           <a:p>
@@ -8210,7 +8420,15 @@
           <a:p>
             <a:r>
               <a:rPr lang="en-US" dirty="0"/>
-              <a:t>    ((define wall1 (new Wall% [</a:t>
+              <a:t>    ((define wall1 (new </a:t>
+            </a:r>
+            <a:r>
+              <a:rPr lang="en-US" dirty="0" err="1"/>
+              <a:t>SWall</a:t>
+            </a:r>
+            <a:r>
+              <a:rPr lang="en-US" dirty="0"/>
+              <a:t>% [</a:t>
             </a:r>
             <a:r>
               <a:rPr lang="en-US" dirty="0" err="1"/>
@@ -8224,7 +8442,15 @@
           <a:p>
             <a:r>
               <a:rPr lang="en-US" dirty="0"/>
-              <a:t>     (define ball1 (new Ball% [x 170][speed 50][w wall1])))</a:t>
+              <a:t>     (define ball1 (new </a:t>
+            </a:r>
+            <a:r>
+              <a:rPr lang="en-US" dirty="0" err="1"/>
+              <a:t>SBall</a:t>
+            </a:r>
+            <a:r>
+              <a:rPr lang="en-US" dirty="0"/>
+              <a:t>% [x 170][speed 50][w wall1])))</a:t>
             </a:r>
           </a:p>
           <a:p>
@@ -8346,19 +8572,21 @@
         </p:nvSpPr>
         <p:spPr>
           <a:xfrm>
-            <a:off x="5943600" y="1219200"/>
+            <a:off x="6096000" y="1600200"/>
             <a:ext cx="2590800" cy="990600"/>
           </a:xfrm>
           <a:prstGeom prst="rect">
             <a:avLst/>
           </a:prstGeom>
           <a:solidFill>
-            <a:schemeClr val="accent3">
-              <a:lumMod val="40000"/>
-              <a:lumOff val="60000"/>
+            <a:schemeClr val="accent1">
+              <a:lumMod val="20000"/>
+              <a:lumOff val="80000"/>
             </a:schemeClr>
           </a:solidFill>
-          <a:ln/>
+          <a:ln>
+            <a:noFill/>
+          </a:ln>
         </p:spPr>
         <p:style>
           <a:lnRef idx="2">
@@ -8403,19 +8631,21 @@
         </p:nvSpPr>
         <p:spPr>
           <a:xfrm>
-            <a:off x="5486400" y="5791200"/>
+            <a:off x="5867400" y="5555457"/>
             <a:ext cx="2819400" cy="685800"/>
           </a:xfrm>
           <a:prstGeom prst="rect">
             <a:avLst/>
           </a:prstGeom>
           <a:solidFill>
-            <a:schemeClr val="accent3">
-              <a:lumMod val="40000"/>
-              <a:lumOff val="60000"/>
+            <a:schemeClr val="accent1">
+              <a:lumMod val="20000"/>
+              <a:lumOff val="80000"/>
             </a:schemeClr>
           </a:solidFill>
-          <a:ln/>
+          <a:ln>
+            <a:noFill/>
+          </a:ln>
         </p:spPr>
         <p:style>
           <a:lnRef idx="2">
@@ -8447,7 +8677,7 @@
                   <a:schemeClr val="tx1"/>
                 </a:solidFill>
               </a:rPr>
-              <a:t>Well, that worked.</a:t>
+              <a:t>No errors on these tests.</a:t>
             </a:r>
           </a:p>
         </p:txBody>
@@ -8537,7 +8767,15 @@
           <a:p>
             <a:r>
               <a:rPr lang="en-US" dirty="0"/>
-              <a:t>    ((define wall1 (new Wall% [</a:t>
+              <a:t>    ((define wall1 (new </a:t>
+            </a:r>
+            <a:r>
+              <a:rPr lang="en-US" dirty="0" err="1"/>
+              <a:t>SWall</a:t>
+            </a:r>
+            <a:r>
+              <a:rPr lang="en-US" dirty="0"/>
+              <a:t>% [</a:t>
             </a:r>
             <a:r>
               <a:rPr lang="en-US" dirty="0" err="1"/>
@@ -8551,7 +8789,15 @@
           <a:p>
             <a:r>
               <a:rPr lang="en-US" dirty="0"/>
-              <a:t>     (define ball1 (new Ball% [x 110][speed 50][w wall1])))</a:t>
+              <a:t>     (define ball1 (new </a:t>
+            </a:r>
+            <a:r>
+              <a:rPr lang="en-US" dirty="0" err="1"/>
+              <a:t>SBall</a:t>
+            </a:r>
+            <a:r>
+              <a:rPr lang="en-US" dirty="0"/>
+              <a:t>% [x 110][speed 50][w wall1])))</a:t>
             </a:r>
           </a:p>
           <a:p>
@@ -8690,12 +8936,14 @@
             <a:avLst/>
           </a:prstGeom>
           <a:solidFill>
-            <a:schemeClr val="accent3">
-              <a:lumMod val="40000"/>
-              <a:lumOff val="60000"/>
+            <a:schemeClr val="accent1">
+              <a:lumMod val="20000"/>
+              <a:lumOff val="80000"/>
             </a:schemeClr>
           </a:solidFill>
-          <a:ln/>
+          <a:ln>
+            <a:noFill/>
+          </a:ln>
         </p:spPr>
         <p:style>
           <a:lnRef idx="2">
@@ -8822,7 +9070,7 @@
             </a:r>
             <a:r>
               <a:rPr lang="en-US" dirty="0"/>
-              <a:t>. (Look at 10-5-push-model.rkt for details)</a:t>
+              <a:t>. (Look at 10-6-push-model.rkt for details)</a:t>
             </a:r>
           </a:p>
         </p:txBody>
